--- a/Licenta2018DraganSilviu-Constantin/Prezentare.pptx
+++ b/Licenta2018DraganSilviu-Constantin/Prezentare.pptx
@@ -9,18 +9,17 @@
     <p:sldId id="258" r:id="rId3"/>
     <p:sldId id="259" r:id="rId4"/>
     <p:sldId id="260" r:id="rId5"/>
-    <p:sldId id="261" r:id="rId6"/>
-    <p:sldId id="262" r:id="rId7"/>
-    <p:sldId id="263" r:id="rId8"/>
-    <p:sldId id="264" r:id="rId9"/>
+    <p:sldId id="275" r:id="rId6"/>
+    <p:sldId id="265" r:id="rId7"/>
+    <p:sldId id="267" r:id="rId8"/>
+    <p:sldId id="268" r:id="rId9"/>
     <p:sldId id="271" r:id="rId10"/>
     <p:sldId id="272" r:id="rId11"/>
-    <p:sldId id="265" r:id="rId12"/>
-    <p:sldId id="267" r:id="rId13"/>
-    <p:sldId id="268" r:id="rId14"/>
-    <p:sldId id="269" r:id="rId15"/>
-    <p:sldId id="270" r:id="rId16"/>
-    <p:sldId id="266" r:id="rId17"/>
+    <p:sldId id="273" r:id="rId12"/>
+    <p:sldId id="269" r:id="rId13"/>
+    <p:sldId id="274" r:id="rId14"/>
+    <p:sldId id="270" r:id="rId15"/>
+    <p:sldId id="266" r:id="rId16"/>
   </p:sldIdLst>
   <p:sldSz cx="12192000" cy="6858000"/>
   <p:notesSz cx="6858000" cy="9144000"/>
@@ -119,6 +118,11 @@
       </a:defRPr>
     </a:lvl9pPr>
   </p:defaultTextStyle>
+  <p:extLst>
+    <p:ext uri="{EFAFB233-063F-42B5-8137-9DF3F51BA10A}">
+      <p15:sldGuideLst xmlns:p15="http://schemas.microsoft.com/office/powerpoint/2012/main"/>
+    </p:ext>
+  </p:extLst>
 </p:presentation>
 </file>
 
@@ -265,7 +269,7 @@
           <a:p>
             <a:fld id="{4AAD347D-5ACD-4C99-B74B-A9C85AD731AF}" type="datetimeFigureOut">
               <a:rPr lang="en-US" smtClean="0"/>
-              <a:t>6/25/2018</a:t>
+              <a:t>7/3/2018</a:t>
             </a:fld>
             <a:endParaRPr lang="en-US" dirty="0"/>
           </a:p>
@@ -435,7 +439,7 @@
           <a:p>
             <a:fld id="{4509A250-FF31-4206-8172-F9D3106AACB1}" type="datetimeFigureOut">
               <a:rPr lang="en-US" smtClean="0"/>
-              <a:t>6/25/2018</a:t>
+              <a:t>7/3/2018</a:t>
             </a:fld>
             <a:endParaRPr lang="en-US" dirty="0"/>
           </a:p>
@@ -615,7 +619,7 @@
           <a:p>
             <a:fld id="{4509A250-FF31-4206-8172-F9D3106AACB1}" type="datetimeFigureOut">
               <a:rPr lang="en-US" smtClean="0"/>
-              <a:t>6/25/2018</a:t>
+              <a:t>7/3/2018</a:t>
             </a:fld>
             <a:endParaRPr lang="en-US" dirty="0"/>
           </a:p>
@@ -785,7 +789,7 @@
           <a:p>
             <a:fld id="{4509A250-FF31-4206-8172-F9D3106AACB1}" type="datetimeFigureOut">
               <a:rPr lang="en-US" smtClean="0"/>
-              <a:t>6/25/2018</a:t>
+              <a:t>7/3/2018</a:t>
             </a:fld>
             <a:endParaRPr lang="en-US" dirty="0"/>
           </a:p>
@@ -1031,7 +1035,7 @@
           <a:p>
             <a:fld id="{4509A250-FF31-4206-8172-F9D3106AACB1}" type="datetimeFigureOut">
               <a:rPr lang="en-US" smtClean="0"/>
-              <a:t>6/25/2018</a:t>
+              <a:t>7/3/2018</a:t>
             </a:fld>
             <a:endParaRPr lang="en-US" dirty="0"/>
           </a:p>
@@ -1263,7 +1267,7 @@
           <a:p>
             <a:fld id="{4509A250-FF31-4206-8172-F9D3106AACB1}" type="datetimeFigureOut">
               <a:rPr lang="en-US" smtClean="0"/>
-              <a:t>6/25/2018</a:t>
+              <a:t>7/3/2018</a:t>
             </a:fld>
             <a:endParaRPr lang="en-US" dirty="0"/>
           </a:p>
@@ -1630,7 +1634,7 @@
           <a:p>
             <a:fld id="{4509A250-FF31-4206-8172-F9D3106AACB1}" type="datetimeFigureOut">
               <a:rPr lang="en-US" smtClean="0"/>
-              <a:t>6/25/2018</a:t>
+              <a:t>7/3/2018</a:t>
             </a:fld>
             <a:endParaRPr lang="en-US" dirty="0"/>
           </a:p>
@@ -1748,7 +1752,7 @@
           <a:p>
             <a:fld id="{4509A250-FF31-4206-8172-F9D3106AACB1}" type="datetimeFigureOut">
               <a:rPr lang="en-US" smtClean="0"/>
-              <a:t>6/25/2018</a:t>
+              <a:t>7/3/2018</a:t>
             </a:fld>
             <a:endParaRPr lang="en-US" dirty="0"/>
           </a:p>
@@ -1843,7 +1847,7 @@
           <a:p>
             <a:fld id="{4509A250-FF31-4206-8172-F9D3106AACB1}" type="datetimeFigureOut">
               <a:rPr lang="en-US" smtClean="0"/>
-              <a:t>6/25/2018</a:t>
+              <a:t>7/3/2018</a:t>
             </a:fld>
             <a:endParaRPr lang="en-US" dirty="0"/>
           </a:p>
@@ -2120,7 +2124,7 @@
           <a:p>
             <a:fld id="{4509A250-FF31-4206-8172-F9D3106AACB1}" type="datetimeFigureOut">
               <a:rPr lang="en-US" smtClean="0"/>
-              <a:t>6/25/2018</a:t>
+              <a:t>7/3/2018</a:t>
             </a:fld>
             <a:endParaRPr lang="en-US" dirty="0"/>
           </a:p>
@@ -2373,7 +2377,7 @@
           <a:p>
             <a:fld id="{4509A250-FF31-4206-8172-F9D3106AACB1}" type="datetimeFigureOut">
               <a:rPr lang="en-US" smtClean="0"/>
-              <a:t>6/25/2018</a:t>
+              <a:t>7/3/2018</a:t>
             </a:fld>
             <a:endParaRPr lang="en-US" dirty="0"/>
           </a:p>
@@ -2586,7 +2590,7 @@
           <a:p>
             <a:fld id="{4509A250-FF31-4206-8172-F9D3106AACB1}" type="datetimeFigureOut">
               <a:rPr lang="en-US" smtClean="0"/>
-              <a:t>6/25/2018</a:t>
+              <a:t>7/3/2018</a:t>
             </a:fld>
             <a:endParaRPr lang="en-US" dirty="0"/>
           </a:p>
@@ -3024,7 +3028,7 @@
                 <a:latin typeface="Times New Roman" panose="02020603050405020304" pitchFamily="18" charset="0"/>
                 <a:cs typeface="Times New Roman" panose="02020603050405020304" pitchFamily="18" charset="0"/>
               </a:rPr>
-              <a:t>Aplicatie web pentru alegerea colegilor de cameră la cămin</a:t>
+              <a:t>Aplicație web pentru alegerea colegilor de cameră la cămin</a:t>
             </a:r>
             <a:br>
               <a:rPr lang="ro-RO" dirty="0" smtClean="0">
@@ -3069,14 +3073,14 @@
                 <a:latin typeface="Times New Roman" panose="02020603050405020304" pitchFamily="18" charset="0"/>
                 <a:cs typeface="Times New Roman" panose="02020603050405020304" pitchFamily="18" charset="0"/>
               </a:rPr>
-              <a:t>Drăgan Silviu </a:t>
+              <a:t>Drăgan </a:t>
             </a:r>
             <a:r>
               <a:rPr lang="ro-RO" sz="3600" dirty="0" smtClean="0">
                 <a:latin typeface="Times New Roman" panose="02020603050405020304" pitchFamily="18" charset="0"/>
                 <a:cs typeface="Times New Roman" panose="02020603050405020304" pitchFamily="18" charset="0"/>
               </a:rPr>
-              <a:t>Constantin</a:t>
+              <a:t>Silviu-Constantin</a:t>
             </a:r>
           </a:p>
           <a:p>
@@ -3209,376 +3213,668 @@
               <a:buNone/>
             </a:pPr>
             <a:r>
-              <a:rPr lang="ro-RO" dirty="0" smtClean="0"/>
+              <a:rPr lang="ro-RO" dirty="0" smtClean="0">
+                <a:latin typeface="Times New Roman" panose="02020603050405020304" pitchFamily="18" charset="0"/>
+                <a:cs typeface="Times New Roman" panose="02020603050405020304" pitchFamily="18" charset="0"/>
+              </a:rPr>
               <a:t>	Etapa 2:</a:t>
             </a:r>
           </a:p>
           <a:p>
-            <a:pPr lvl="0" algn="just"/>
-            <a:r>
-              <a:rPr lang="en-US" sz="2400" dirty="0"/>
+            <a:pPr lvl="0" algn="just">
+              <a:lnSpc>
+                <a:spcPct val="150000"/>
+              </a:lnSpc>
+            </a:pPr>
+            <a:r>
+              <a:rPr lang="en-US" sz="2400" dirty="0">
+                <a:latin typeface="Times New Roman" panose="02020603050405020304" pitchFamily="18" charset="0"/>
+                <a:cs typeface="Times New Roman" panose="02020603050405020304" pitchFamily="18" charset="0"/>
+              </a:rPr>
               <a:t>Se </a:t>
             </a:r>
             <a:r>
-              <a:rPr lang="en-US" sz="2400" dirty="0" err="1"/>
+              <a:rPr lang="en-US" sz="2400" dirty="0" err="1">
+                <a:latin typeface="Times New Roman" panose="02020603050405020304" pitchFamily="18" charset="0"/>
+                <a:cs typeface="Times New Roman" panose="02020603050405020304" pitchFamily="18" charset="0"/>
+              </a:rPr>
               <a:t>ia</a:t>
             </a:r>
             <a:r>
-              <a:rPr lang="en-US" sz="2400" dirty="0"/>
+              <a:rPr lang="en-US" sz="2400" dirty="0">
+                <a:latin typeface="Times New Roman" panose="02020603050405020304" pitchFamily="18" charset="0"/>
+                <a:cs typeface="Times New Roman" panose="02020603050405020304" pitchFamily="18" charset="0"/>
+              </a:rPr>
               <a:t> un participant care are </a:t>
             </a:r>
             <a:r>
-              <a:rPr lang="en-US" sz="2400" dirty="0" err="1"/>
+              <a:rPr lang="en-US" sz="2400" dirty="0" err="1">
+                <a:latin typeface="Times New Roman" panose="02020603050405020304" pitchFamily="18" charset="0"/>
+                <a:cs typeface="Times New Roman" panose="02020603050405020304" pitchFamily="18" charset="0"/>
+              </a:rPr>
               <a:t>mai</a:t>
             </a:r>
             <a:r>
-              <a:rPr lang="en-US" sz="2400" dirty="0"/>
+              <a:rPr lang="en-US" sz="2400" dirty="0">
+                <a:latin typeface="Times New Roman" panose="02020603050405020304" pitchFamily="18" charset="0"/>
+                <a:cs typeface="Times New Roman" panose="02020603050405020304" pitchFamily="18" charset="0"/>
+              </a:rPr>
               <a:t> </a:t>
             </a:r>
             <a:r>
-              <a:rPr lang="en-US" sz="2400" dirty="0" err="1"/>
+              <a:rPr lang="en-US" sz="2400" dirty="0" err="1">
+                <a:latin typeface="Times New Roman" panose="02020603050405020304" pitchFamily="18" charset="0"/>
+                <a:cs typeface="Times New Roman" panose="02020603050405020304" pitchFamily="18" charset="0"/>
+              </a:rPr>
               <a:t>mult</a:t>
             </a:r>
             <a:r>
-              <a:rPr lang="en-US" sz="2400" dirty="0"/>
+              <a:rPr lang="en-US" sz="2400" dirty="0">
+                <a:latin typeface="Times New Roman" panose="02020603050405020304" pitchFamily="18" charset="0"/>
+                <a:cs typeface="Times New Roman" panose="02020603050405020304" pitchFamily="18" charset="0"/>
+              </a:rPr>
               <a:t> de o </a:t>
             </a:r>
             <a:r>
-              <a:rPr lang="en-US" sz="2400" dirty="0" err="1"/>
+              <a:rPr lang="en-US" sz="2400" dirty="0" err="1">
+                <a:latin typeface="Times New Roman" panose="02020603050405020304" pitchFamily="18" charset="0"/>
+                <a:cs typeface="Times New Roman" panose="02020603050405020304" pitchFamily="18" charset="0"/>
+              </a:rPr>
               <a:t>opțiune</a:t>
             </a:r>
             <a:r>
-              <a:rPr lang="en-US" sz="2400" dirty="0"/>
+              <a:rPr lang="en-US" sz="2400" dirty="0">
+                <a:latin typeface="Times New Roman" panose="02020603050405020304" pitchFamily="18" charset="0"/>
+                <a:cs typeface="Times New Roman" panose="02020603050405020304" pitchFamily="18" charset="0"/>
+              </a:rPr>
               <a:t>(</a:t>
             </a:r>
             <a:r>
-              <a:rPr lang="en-US" sz="2400" dirty="0" err="1"/>
+              <a:rPr lang="en-US" sz="2400" dirty="0" err="1">
+                <a:latin typeface="Times New Roman" panose="02020603050405020304" pitchFamily="18" charset="0"/>
+                <a:cs typeface="Times New Roman" panose="02020603050405020304" pitchFamily="18" charset="0"/>
+              </a:rPr>
               <a:t>să</a:t>
             </a:r>
             <a:r>
-              <a:rPr lang="en-US" sz="2400" dirty="0"/>
+              <a:rPr lang="en-US" sz="2400" dirty="0">
+                <a:latin typeface="Times New Roman" panose="02020603050405020304" pitchFamily="18" charset="0"/>
+                <a:cs typeface="Times New Roman" panose="02020603050405020304" pitchFamily="18" charset="0"/>
+              </a:rPr>
               <a:t> </a:t>
             </a:r>
             <a:r>
-              <a:rPr lang="en-US" sz="2400" dirty="0" err="1"/>
+              <a:rPr lang="en-US" sz="2400" dirty="0" err="1">
+                <a:latin typeface="Times New Roman" panose="02020603050405020304" pitchFamily="18" charset="0"/>
+                <a:cs typeface="Times New Roman" panose="02020603050405020304" pitchFamily="18" charset="0"/>
+              </a:rPr>
               <a:t>spunem</a:t>
             </a:r>
             <a:r>
-              <a:rPr lang="en-US" sz="2400" dirty="0"/>
+              <a:rPr lang="en-US" sz="2400" dirty="0">
+                <a:latin typeface="Times New Roman" panose="02020603050405020304" pitchFamily="18" charset="0"/>
+                <a:cs typeface="Times New Roman" panose="02020603050405020304" pitchFamily="18" charset="0"/>
+              </a:rPr>
               <a:t> </a:t>
             </a:r>
             <a:r>
-              <a:rPr lang="en-US" sz="2400" dirty="0" err="1"/>
+              <a:rPr lang="en-US" sz="2400" dirty="0" err="1">
+                <a:latin typeface="Times New Roman" panose="02020603050405020304" pitchFamily="18" charset="0"/>
+                <a:cs typeface="Times New Roman" panose="02020603050405020304" pitchFamily="18" charset="0"/>
+              </a:rPr>
               <a:t>că</a:t>
             </a:r>
             <a:r>
-              <a:rPr lang="en-US" sz="2400" dirty="0"/>
+              <a:rPr lang="en-US" sz="2400" dirty="0">
+                <a:latin typeface="Times New Roman" panose="02020603050405020304" pitchFamily="18" charset="0"/>
+                <a:cs typeface="Times New Roman" panose="02020603050405020304" pitchFamily="18" charset="0"/>
+              </a:rPr>
               <a:t> </a:t>
             </a:r>
             <a:r>
-              <a:rPr lang="en-US" sz="2400" dirty="0" err="1"/>
+              <a:rPr lang="en-US" sz="2400" dirty="0" err="1">
+                <a:latin typeface="Times New Roman" panose="02020603050405020304" pitchFamily="18" charset="0"/>
+                <a:cs typeface="Times New Roman" panose="02020603050405020304" pitchFamily="18" charset="0"/>
+              </a:rPr>
               <a:t>este</a:t>
             </a:r>
             <a:r>
-              <a:rPr lang="en-US" sz="2400" dirty="0"/>
+              <a:rPr lang="en-US" sz="2400" dirty="0">
+                <a:latin typeface="Times New Roman" panose="02020603050405020304" pitchFamily="18" charset="0"/>
+                <a:cs typeface="Times New Roman" panose="02020603050405020304" pitchFamily="18" charset="0"/>
+              </a:rPr>
               <a:t> </a:t>
             </a:r>
             <a:r>
-              <a:rPr lang="en-US" sz="2400" dirty="0" err="1"/>
+              <a:rPr lang="en-US" sz="2400" dirty="0" err="1">
+                <a:latin typeface="Times New Roman" panose="02020603050405020304" pitchFamily="18" charset="0"/>
+                <a:cs typeface="Times New Roman" panose="02020603050405020304" pitchFamily="18" charset="0"/>
+              </a:rPr>
               <a:t>studentul</a:t>
             </a:r>
             <a:r>
-              <a:rPr lang="en-US" sz="2400" dirty="0"/>
+              <a:rPr lang="en-US" sz="2400" dirty="0">
+                <a:latin typeface="Times New Roman" panose="02020603050405020304" pitchFamily="18" charset="0"/>
+                <a:cs typeface="Times New Roman" panose="02020603050405020304" pitchFamily="18" charset="0"/>
+              </a:rPr>
               <a:t> A)</a:t>
             </a:r>
           </a:p>
           <a:p>
-            <a:pPr lvl="0" algn="just"/>
-            <a:r>
-              <a:rPr lang="en-US" sz="2400" dirty="0"/>
+            <a:pPr lvl="0" algn="just">
+              <a:lnSpc>
+                <a:spcPct val="150000"/>
+              </a:lnSpc>
+            </a:pPr>
+            <a:r>
+              <a:rPr lang="en-US" sz="2400" dirty="0">
+                <a:latin typeface="Times New Roman" panose="02020603050405020304" pitchFamily="18" charset="0"/>
+                <a:cs typeface="Times New Roman" panose="02020603050405020304" pitchFamily="18" charset="0"/>
+              </a:rPr>
               <a:t>Se </a:t>
             </a:r>
             <a:r>
-              <a:rPr lang="en-US" sz="2400" dirty="0" err="1"/>
+              <a:rPr lang="en-US" sz="2400" dirty="0" err="1">
+                <a:latin typeface="Times New Roman" panose="02020603050405020304" pitchFamily="18" charset="0"/>
+                <a:cs typeface="Times New Roman" panose="02020603050405020304" pitchFamily="18" charset="0"/>
+              </a:rPr>
               <a:t>scrie</a:t>
             </a:r>
             <a:r>
-              <a:rPr lang="en-US" sz="2400" dirty="0"/>
+              <a:rPr lang="en-US" sz="2400" dirty="0">
+                <a:latin typeface="Times New Roman" panose="02020603050405020304" pitchFamily="18" charset="0"/>
+                <a:cs typeface="Times New Roman" panose="02020603050405020304" pitchFamily="18" charset="0"/>
+              </a:rPr>
               <a:t> a </a:t>
             </a:r>
             <a:r>
-              <a:rPr lang="en-US" sz="2400" dirty="0" err="1"/>
+              <a:rPr lang="en-US" sz="2400" dirty="0" err="1">
+                <a:latin typeface="Times New Roman" panose="02020603050405020304" pitchFamily="18" charset="0"/>
+                <a:cs typeface="Times New Roman" panose="02020603050405020304" pitchFamily="18" charset="0"/>
+              </a:rPr>
               <a:t>doua</a:t>
             </a:r>
             <a:r>
-              <a:rPr lang="en-US" sz="2400" dirty="0"/>
+              <a:rPr lang="en-US" sz="2400" dirty="0">
+                <a:latin typeface="Times New Roman" panose="02020603050405020304" pitchFamily="18" charset="0"/>
+                <a:cs typeface="Times New Roman" panose="02020603050405020304" pitchFamily="18" charset="0"/>
+              </a:rPr>
               <a:t> </a:t>
             </a:r>
             <a:r>
-              <a:rPr lang="en-US" sz="2400" dirty="0" err="1"/>
+              <a:rPr lang="en-US" sz="2400" dirty="0" err="1">
+                <a:latin typeface="Times New Roman" panose="02020603050405020304" pitchFamily="18" charset="0"/>
+                <a:cs typeface="Times New Roman" panose="02020603050405020304" pitchFamily="18" charset="0"/>
+              </a:rPr>
               <a:t>opțiune</a:t>
             </a:r>
             <a:r>
-              <a:rPr lang="en-US" sz="2400" dirty="0"/>
+              <a:rPr lang="en-US" sz="2400" dirty="0">
+                <a:latin typeface="Times New Roman" panose="02020603050405020304" pitchFamily="18" charset="0"/>
+                <a:cs typeface="Times New Roman" panose="02020603050405020304" pitchFamily="18" charset="0"/>
+              </a:rPr>
               <a:t> a </a:t>
             </a:r>
             <a:r>
-              <a:rPr lang="en-US" sz="2400" dirty="0" err="1"/>
+              <a:rPr lang="en-US" sz="2400" dirty="0" err="1">
+                <a:latin typeface="Times New Roman" panose="02020603050405020304" pitchFamily="18" charset="0"/>
+                <a:cs typeface="Times New Roman" panose="02020603050405020304" pitchFamily="18" charset="0"/>
+              </a:rPr>
               <a:t>lui</a:t>
             </a:r>
             <a:r>
-              <a:rPr lang="en-US" sz="2400" dirty="0"/>
+              <a:rPr lang="en-US" sz="2400" dirty="0">
+                <a:latin typeface="Times New Roman" panose="02020603050405020304" pitchFamily="18" charset="0"/>
+                <a:cs typeface="Times New Roman" panose="02020603050405020304" pitchFamily="18" charset="0"/>
+              </a:rPr>
               <a:t> A(</a:t>
             </a:r>
             <a:r>
-              <a:rPr lang="en-US" sz="2400" dirty="0" err="1"/>
+              <a:rPr lang="en-US" sz="2400" dirty="0" err="1">
+                <a:latin typeface="Times New Roman" panose="02020603050405020304" pitchFamily="18" charset="0"/>
+                <a:cs typeface="Times New Roman" panose="02020603050405020304" pitchFamily="18" charset="0"/>
+              </a:rPr>
               <a:t>să</a:t>
             </a:r>
             <a:r>
-              <a:rPr lang="en-US" sz="2400" dirty="0"/>
+              <a:rPr lang="en-US" sz="2400" dirty="0">
+                <a:latin typeface="Times New Roman" panose="02020603050405020304" pitchFamily="18" charset="0"/>
+                <a:cs typeface="Times New Roman" panose="02020603050405020304" pitchFamily="18" charset="0"/>
+              </a:rPr>
               <a:t> </a:t>
             </a:r>
             <a:r>
-              <a:rPr lang="en-US" sz="2400" dirty="0" err="1"/>
+              <a:rPr lang="en-US" sz="2400" dirty="0" err="1">
+                <a:latin typeface="Times New Roman" panose="02020603050405020304" pitchFamily="18" charset="0"/>
+                <a:cs typeface="Times New Roman" panose="02020603050405020304" pitchFamily="18" charset="0"/>
+              </a:rPr>
               <a:t>spunem</a:t>
             </a:r>
             <a:r>
-              <a:rPr lang="en-US" sz="2400" dirty="0"/>
+              <a:rPr lang="en-US" sz="2400" dirty="0">
+                <a:latin typeface="Times New Roman" panose="02020603050405020304" pitchFamily="18" charset="0"/>
+                <a:cs typeface="Times New Roman" panose="02020603050405020304" pitchFamily="18" charset="0"/>
+              </a:rPr>
               <a:t> </a:t>
             </a:r>
             <a:r>
-              <a:rPr lang="en-US" sz="2400" dirty="0" err="1"/>
+              <a:rPr lang="en-US" sz="2400" dirty="0" err="1">
+                <a:latin typeface="Times New Roman" panose="02020603050405020304" pitchFamily="18" charset="0"/>
+                <a:cs typeface="Times New Roman" panose="02020603050405020304" pitchFamily="18" charset="0"/>
+              </a:rPr>
               <a:t>că</a:t>
             </a:r>
             <a:r>
-              <a:rPr lang="en-US" sz="2400" dirty="0"/>
+              <a:rPr lang="en-US" sz="2400" dirty="0">
+                <a:latin typeface="Times New Roman" panose="02020603050405020304" pitchFamily="18" charset="0"/>
+                <a:cs typeface="Times New Roman" panose="02020603050405020304" pitchFamily="18" charset="0"/>
+              </a:rPr>
               <a:t> </a:t>
             </a:r>
             <a:r>
-              <a:rPr lang="en-US" sz="2400" dirty="0" err="1"/>
+              <a:rPr lang="en-US" sz="2400" dirty="0" err="1">
+                <a:latin typeface="Times New Roman" panose="02020603050405020304" pitchFamily="18" charset="0"/>
+                <a:cs typeface="Times New Roman" panose="02020603050405020304" pitchFamily="18" charset="0"/>
+              </a:rPr>
               <a:t>este</a:t>
             </a:r>
             <a:r>
-              <a:rPr lang="en-US" sz="2400" dirty="0"/>
+              <a:rPr lang="en-US" sz="2400" dirty="0">
+                <a:latin typeface="Times New Roman" panose="02020603050405020304" pitchFamily="18" charset="0"/>
+                <a:cs typeface="Times New Roman" panose="02020603050405020304" pitchFamily="18" charset="0"/>
+              </a:rPr>
               <a:t> B), </a:t>
             </a:r>
             <a:r>
-              <a:rPr lang="en-US" sz="2400" dirty="0" err="1"/>
+              <a:rPr lang="en-US" sz="2400" dirty="0" err="1">
+                <a:latin typeface="Times New Roman" panose="02020603050405020304" pitchFamily="18" charset="0"/>
+                <a:cs typeface="Times New Roman" panose="02020603050405020304" pitchFamily="18" charset="0"/>
+              </a:rPr>
               <a:t>apoi</a:t>
             </a:r>
             <a:r>
-              <a:rPr lang="en-US" sz="2400" dirty="0"/>
+              <a:rPr lang="en-US" sz="2400" dirty="0">
+                <a:latin typeface="Times New Roman" panose="02020603050405020304" pitchFamily="18" charset="0"/>
+                <a:cs typeface="Times New Roman" panose="02020603050405020304" pitchFamily="18" charset="0"/>
+              </a:rPr>
               <a:t> se </a:t>
             </a:r>
             <a:r>
-              <a:rPr lang="en-US" sz="2400" dirty="0" err="1"/>
+              <a:rPr lang="en-US" sz="2400" dirty="0" err="1">
+                <a:latin typeface="Times New Roman" panose="02020603050405020304" pitchFamily="18" charset="0"/>
+                <a:cs typeface="Times New Roman" panose="02020603050405020304" pitchFamily="18" charset="0"/>
+              </a:rPr>
               <a:t>scrie</a:t>
             </a:r>
             <a:r>
-              <a:rPr lang="en-US" sz="2400" dirty="0"/>
+              <a:rPr lang="en-US" sz="2400" dirty="0">
+                <a:latin typeface="Times New Roman" panose="02020603050405020304" pitchFamily="18" charset="0"/>
+                <a:cs typeface="Times New Roman" panose="02020603050405020304" pitchFamily="18" charset="0"/>
+              </a:rPr>
               <a:t> ultima </a:t>
             </a:r>
             <a:r>
-              <a:rPr lang="en-US" sz="2400" dirty="0" err="1"/>
+              <a:rPr lang="en-US" sz="2400" dirty="0" err="1">
+                <a:latin typeface="Times New Roman" panose="02020603050405020304" pitchFamily="18" charset="0"/>
+                <a:cs typeface="Times New Roman" panose="02020603050405020304" pitchFamily="18" charset="0"/>
+              </a:rPr>
               <a:t>opțiune</a:t>
             </a:r>
             <a:r>
-              <a:rPr lang="en-US" sz="2400" dirty="0"/>
+              <a:rPr lang="en-US" sz="2400" dirty="0">
+                <a:latin typeface="Times New Roman" panose="02020603050405020304" pitchFamily="18" charset="0"/>
+                <a:cs typeface="Times New Roman" panose="02020603050405020304" pitchFamily="18" charset="0"/>
+              </a:rPr>
               <a:t> a </a:t>
             </a:r>
             <a:r>
-              <a:rPr lang="en-US" sz="2400" dirty="0" err="1"/>
+              <a:rPr lang="en-US" sz="2400" dirty="0" err="1">
+                <a:latin typeface="Times New Roman" panose="02020603050405020304" pitchFamily="18" charset="0"/>
+                <a:cs typeface="Times New Roman" panose="02020603050405020304" pitchFamily="18" charset="0"/>
+              </a:rPr>
               <a:t>lui</a:t>
             </a:r>
             <a:r>
-              <a:rPr lang="en-US" sz="2400" dirty="0"/>
+              <a:rPr lang="en-US" sz="2400" dirty="0">
+                <a:latin typeface="Times New Roman" panose="02020603050405020304" pitchFamily="18" charset="0"/>
+                <a:cs typeface="Times New Roman" panose="02020603050405020304" pitchFamily="18" charset="0"/>
+              </a:rPr>
               <a:t> B </a:t>
             </a:r>
             <a:r>
-              <a:rPr lang="en-US" sz="2400" dirty="0" err="1"/>
+              <a:rPr lang="en-US" sz="2400" dirty="0" err="1">
+                <a:latin typeface="Times New Roman" panose="02020603050405020304" pitchFamily="18" charset="0"/>
+                <a:cs typeface="Times New Roman" panose="02020603050405020304" pitchFamily="18" charset="0"/>
+              </a:rPr>
               <a:t>și</a:t>
             </a:r>
             <a:r>
-              <a:rPr lang="en-US" sz="2400" dirty="0"/>
+              <a:rPr lang="en-US" sz="2400" dirty="0">
+                <a:latin typeface="Times New Roman" panose="02020603050405020304" pitchFamily="18" charset="0"/>
+                <a:cs typeface="Times New Roman" panose="02020603050405020304" pitchFamily="18" charset="0"/>
+              </a:rPr>
               <a:t> se </a:t>
             </a:r>
             <a:r>
-              <a:rPr lang="en-US" sz="2400" dirty="0" err="1"/>
+              <a:rPr lang="en-US" sz="2400" dirty="0" err="1">
+                <a:latin typeface="Times New Roman" panose="02020603050405020304" pitchFamily="18" charset="0"/>
+                <a:cs typeface="Times New Roman" panose="02020603050405020304" pitchFamily="18" charset="0"/>
+              </a:rPr>
               <a:t>repetă</a:t>
             </a:r>
             <a:r>
-              <a:rPr lang="en-US" sz="2400" dirty="0"/>
+              <a:rPr lang="en-US" sz="2400" dirty="0">
+                <a:latin typeface="Times New Roman" panose="02020603050405020304" pitchFamily="18" charset="0"/>
+                <a:cs typeface="Times New Roman" panose="02020603050405020304" pitchFamily="18" charset="0"/>
+              </a:rPr>
               <a:t> </a:t>
             </a:r>
             <a:r>
-              <a:rPr lang="en-US" sz="2400" dirty="0" err="1"/>
+              <a:rPr lang="en-US" sz="2400" dirty="0" err="1">
+                <a:latin typeface="Times New Roman" panose="02020603050405020304" pitchFamily="18" charset="0"/>
+                <a:cs typeface="Times New Roman" panose="02020603050405020304" pitchFamily="18" charset="0"/>
+              </a:rPr>
               <a:t>acest</a:t>
             </a:r>
             <a:r>
-              <a:rPr lang="en-US" sz="2400" dirty="0"/>
+              <a:rPr lang="en-US" sz="2400" dirty="0">
+                <a:latin typeface="Times New Roman" panose="02020603050405020304" pitchFamily="18" charset="0"/>
+                <a:cs typeface="Times New Roman" panose="02020603050405020304" pitchFamily="18" charset="0"/>
+              </a:rPr>
               <a:t> </a:t>
             </a:r>
             <a:r>
-              <a:rPr lang="en-US" sz="2400" dirty="0" err="1"/>
+              <a:rPr lang="en-US" sz="2400" dirty="0" err="1">
+                <a:latin typeface="Times New Roman" panose="02020603050405020304" pitchFamily="18" charset="0"/>
+                <a:cs typeface="Times New Roman" panose="02020603050405020304" pitchFamily="18" charset="0"/>
+              </a:rPr>
               <a:t>procedeu</a:t>
             </a:r>
             <a:r>
-              <a:rPr lang="en-US" sz="2400" dirty="0"/>
+              <a:rPr lang="en-US" sz="2400" dirty="0">
+                <a:latin typeface="Times New Roman" panose="02020603050405020304" pitchFamily="18" charset="0"/>
+                <a:cs typeface="Times New Roman" panose="02020603050405020304" pitchFamily="18" charset="0"/>
+              </a:rPr>
               <a:t> </a:t>
             </a:r>
             <a:r>
-              <a:rPr lang="en-US" sz="2400" dirty="0" err="1"/>
+              <a:rPr lang="en-US" sz="2400" dirty="0" err="1">
+                <a:latin typeface="Times New Roman" panose="02020603050405020304" pitchFamily="18" charset="0"/>
+                <a:cs typeface="Times New Roman" panose="02020603050405020304" pitchFamily="18" charset="0"/>
+              </a:rPr>
               <a:t>până</a:t>
             </a:r>
             <a:r>
-              <a:rPr lang="en-US" sz="2400" dirty="0"/>
+              <a:rPr lang="en-US" sz="2400" dirty="0">
+                <a:latin typeface="Times New Roman" panose="02020603050405020304" pitchFamily="18" charset="0"/>
+                <a:cs typeface="Times New Roman" panose="02020603050405020304" pitchFamily="18" charset="0"/>
+              </a:rPr>
               <a:t> </a:t>
             </a:r>
             <a:r>
-              <a:rPr lang="en-US" sz="2400" dirty="0" err="1"/>
+              <a:rPr lang="en-US" sz="2400" dirty="0" err="1">
+                <a:latin typeface="Times New Roman" panose="02020603050405020304" pitchFamily="18" charset="0"/>
+                <a:cs typeface="Times New Roman" panose="02020603050405020304" pitchFamily="18" charset="0"/>
+              </a:rPr>
               <a:t>când</a:t>
             </a:r>
             <a:r>
-              <a:rPr lang="en-US" sz="2400" dirty="0"/>
+              <a:rPr lang="en-US" sz="2400" dirty="0">
+                <a:latin typeface="Times New Roman" panose="02020603050405020304" pitchFamily="18" charset="0"/>
+                <a:cs typeface="Times New Roman" panose="02020603050405020304" pitchFamily="18" charset="0"/>
+              </a:rPr>
               <a:t> </a:t>
             </a:r>
             <a:r>
-              <a:rPr lang="en-US" sz="2400" dirty="0" err="1"/>
+              <a:rPr lang="en-US" sz="2400" dirty="0" err="1">
+                <a:latin typeface="Times New Roman" panose="02020603050405020304" pitchFamily="18" charset="0"/>
+                <a:cs typeface="Times New Roman" panose="02020603050405020304" pitchFamily="18" charset="0"/>
+              </a:rPr>
               <a:t>valoarea</a:t>
             </a:r>
             <a:r>
-              <a:rPr lang="en-US" sz="2400" dirty="0"/>
+              <a:rPr lang="en-US" sz="2400" dirty="0">
+                <a:latin typeface="Times New Roman" panose="02020603050405020304" pitchFamily="18" charset="0"/>
+                <a:cs typeface="Times New Roman" panose="02020603050405020304" pitchFamily="18" charset="0"/>
+              </a:rPr>
               <a:t> A se </a:t>
             </a:r>
             <a:r>
-              <a:rPr lang="en-US" sz="2400" dirty="0" err="1"/>
+              <a:rPr lang="en-US" sz="2400" dirty="0" err="1">
+                <a:latin typeface="Times New Roman" panose="02020603050405020304" pitchFamily="18" charset="0"/>
+                <a:cs typeface="Times New Roman" panose="02020603050405020304" pitchFamily="18" charset="0"/>
+              </a:rPr>
               <a:t>regăsește</a:t>
             </a:r>
             <a:r>
-              <a:rPr lang="en-US" sz="2400" dirty="0"/>
+              <a:rPr lang="en-US" sz="2400" dirty="0">
+                <a:latin typeface="Times New Roman" panose="02020603050405020304" pitchFamily="18" charset="0"/>
+                <a:cs typeface="Times New Roman" panose="02020603050405020304" pitchFamily="18" charset="0"/>
+              </a:rPr>
               <a:t> din </a:t>
             </a:r>
             <a:r>
-              <a:rPr lang="en-US" sz="2400" dirty="0" err="1"/>
+              <a:rPr lang="en-US" sz="2400" dirty="0" err="1">
+                <a:latin typeface="Times New Roman" panose="02020603050405020304" pitchFamily="18" charset="0"/>
+                <a:cs typeface="Times New Roman" panose="02020603050405020304" pitchFamily="18" charset="0"/>
+              </a:rPr>
               <a:t>nou</a:t>
             </a:r>
-            <a:endParaRPr lang="en-US" sz="2400" dirty="0"/>
-          </a:p>
-          <a:p>
-            <a:pPr lvl="0" algn="just"/>
-            <a:r>
-              <a:rPr lang="en-US" sz="2400" dirty="0" err="1"/>
+            <a:endParaRPr lang="en-US" sz="2400" dirty="0">
+              <a:latin typeface="Times New Roman" panose="02020603050405020304" pitchFamily="18" charset="0"/>
+              <a:cs typeface="Times New Roman" panose="02020603050405020304" pitchFamily="18" charset="0"/>
+            </a:endParaRPr>
+          </a:p>
+          <a:p>
+            <a:pPr lvl="0" algn="just">
+              <a:lnSpc>
+                <a:spcPct val="150000"/>
+              </a:lnSpc>
+            </a:pPr>
+            <a:r>
+              <a:rPr lang="en-US" sz="2400" dirty="0" err="1">
+                <a:latin typeface="Times New Roman" panose="02020603050405020304" pitchFamily="18" charset="0"/>
+                <a:cs typeface="Times New Roman" panose="02020603050405020304" pitchFamily="18" charset="0"/>
+              </a:rPr>
               <a:t>Elementele</a:t>
             </a:r>
             <a:r>
-              <a:rPr lang="en-US" sz="2400" dirty="0"/>
+              <a:rPr lang="en-US" sz="2400" dirty="0">
+                <a:latin typeface="Times New Roman" panose="02020603050405020304" pitchFamily="18" charset="0"/>
+                <a:cs typeface="Times New Roman" panose="02020603050405020304" pitchFamily="18" charset="0"/>
+              </a:rPr>
               <a:t> din </a:t>
             </a:r>
             <a:r>
-              <a:rPr lang="en-US" sz="2400" dirty="0" err="1"/>
+              <a:rPr lang="en-US" sz="2400" dirty="0" err="1">
+                <a:latin typeface="Times New Roman" panose="02020603050405020304" pitchFamily="18" charset="0"/>
+                <a:cs typeface="Times New Roman" panose="02020603050405020304" pitchFamily="18" charset="0"/>
+              </a:rPr>
               <a:t>perechea</a:t>
             </a:r>
             <a:r>
-              <a:rPr lang="en-US" sz="2400" dirty="0"/>
+              <a:rPr lang="en-US" sz="2400" dirty="0">
+                <a:latin typeface="Times New Roman" panose="02020603050405020304" pitchFamily="18" charset="0"/>
+                <a:cs typeface="Times New Roman" panose="02020603050405020304" pitchFamily="18" charset="0"/>
+              </a:rPr>
               <a:t> (k, k+1) cu k = 1 </a:t>
             </a:r>
             <a:r>
-              <a:rPr lang="en-US" sz="2400" dirty="0" err="1"/>
+              <a:rPr lang="en-US" sz="2400" dirty="0" err="1">
+                <a:latin typeface="Times New Roman" panose="02020603050405020304" pitchFamily="18" charset="0"/>
+                <a:cs typeface="Times New Roman" panose="02020603050405020304" pitchFamily="18" charset="0"/>
+              </a:rPr>
               <a:t>având</a:t>
             </a:r>
             <a:r>
-              <a:rPr lang="en-US" sz="2400" dirty="0"/>
+              <a:rPr lang="en-US" sz="2400" dirty="0">
+                <a:latin typeface="Times New Roman" panose="02020603050405020304" pitchFamily="18" charset="0"/>
+                <a:cs typeface="Times New Roman" panose="02020603050405020304" pitchFamily="18" charset="0"/>
+              </a:rPr>
               <a:t> </a:t>
             </a:r>
             <a:r>
-              <a:rPr lang="en-US" sz="2400" dirty="0" err="1"/>
+              <a:rPr lang="en-US" sz="2400" dirty="0" err="1">
+                <a:latin typeface="Times New Roman" panose="02020603050405020304" pitchFamily="18" charset="0"/>
+                <a:cs typeface="Times New Roman" panose="02020603050405020304" pitchFamily="18" charset="0"/>
+              </a:rPr>
               <a:t>pasul</a:t>
             </a:r>
             <a:r>
-              <a:rPr lang="en-US" sz="2400" dirty="0"/>
+              <a:rPr lang="en-US" sz="2400" dirty="0">
+                <a:latin typeface="Times New Roman" panose="02020603050405020304" pitchFamily="18" charset="0"/>
+                <a:cs typeface="Times New Roman" panose="02020603050405020304" pitchFamily="18" charset="0"/>
+              </a:rPr>
               <a:t> 2 se </a:t>
             </a:r>
             <a:r>
-              <a:rPr lang="en-US" sz="2400" dirty="0" err="1"/>
+              <a:rPr lang="en-US" sz="2400" dirty="0" err="1">
+                <a:latin typeface="Times New Roman" panose="02020603050405020304" pitchFamily="18" charset="0"/>
+                <a:cs typeface="Times New Roman" panose="02020603050405020304" pitchFamily="18" charset="0"/>
+              </a:rPr>
               <a:t>resping</a:t>
             </a:r>
             <a:r>
-              <a:rPr lang="en-US" sz="2400" dirty="0"/>
+              <a:rPr lang="en-US" sz="2400" dirty="0">
+                <a:latin typeface="Times New Roman" panose="02020603050405020304" pitchFamily="18" charset="0"/>
+                <a:cs typeface="Times New Roman" panose="02020603050405020304" pitchFamily="18" charset="0"/>
+              </a:rPr>
               <a:t> </a:t>
             </a:r>
             <a:r>
-              <a:rPr lang="en-US" sz="2400" dirty="0" err="1"/>
+              <a:rPr lang="en-US" sz="2400" dirty="0" err="1">
+                <a:latin typeface="Times New Roman" panose="02020603050405020304" pitchFamily="18" charset="0"/>
+                <a:cs typeface="Times New Roman" panose="02020603050405020304" pitchFamily="18" charset="0"/>
+              </a:rPr>
               <a:t>reciproc</a:t>
             </a:r>
-            <a:endParaRPr lang="en-US" sz="2400" dirty="0"/>
-          </a:p>
-          <a:p>
-            <a:pPr lvl="0" algn="just"/>
-            <a:r>
-              <a:rPr lang="en-US" sz="2400" dirty="0"/>
+            <a:endParaRPr lang="en-US" sz="2400" dirty="0">
+              <a:latin typeface="Times New Roman" panose="02020603050405020304" pitchFamily="18" charset="0"/>
+              <a:cs typeface="Times New Roman" panose="02020603050405020304" pitchFamily="18" charset="0"/>
+            </a:endParaRPr>
+          </a:p>
+          <a:p>
+            <a:pPr lvl="0" algn="just">
+              <a:lnSpc>
+                <a:spcPct val="150000"/>
+              </a:lnSpc>
+            </a:pPr>
+            <a:r>
+              <a:rPr lang="en-US" sz="2400" dirty="0">
+                <a:latin typeface="Times New Roman" panose="02020603050405020304" pitchFamily="18" charset="0"/>
+                <a:cs typeface="Times New Roman" panose="02020603050405020304" pitchFamily="18" charset="0"/>
+              </a:rPr>
               <a:t>Se </a:t>
             </a:r>
             <a:r>
-              <a:rPr lang="en-US" sz="2400" dirty="0" err="1"/>
+              <a:rPr lang="en-US" sz="2400" dirty="0" err="1">
+                <a:latin typeface="Times New Roman" panose="02020603050405020304" pitchFamily="18" charset="0"/>
+                <a:cs typeface="Times New Roman" panose="02020603050405020304" pitchFamily="18" charset="0"/>
+              </a:rPr>
               <a:t>repetă</a:t>
             </a:r>
             <a:r>
-              <a:rPr lang="en-US" sz="2400" dirty="0"/>
+              <a:rPr lang="en-US" sz="2400" dirty="0">
+                <a:latin typeface="Times New Roman" panose="02020603050405020304" pitchFamily="18" charset="0"/>
+                <a:cs typeface="Times New Roman" panose="02020603050405020304" pitchFamily="18" charset="0"/>
+              </a:rPr>
               <a:t> </a:t>
             </a:r>
             <a:r>
-              <a:rPr lang="en-US" sz="2400" dirty="0" err="1"/>
+              <a:rPr lang="en-US" sz="2400" dirty="0" err="1">
+                <a:latin typeface="Times New Roman" panose="02020603050405020304" pitchFamily="18" charset="0"/>
+                <a:cs typeface="Times New Roman" panose="02020603050405020304" pitchFamily="18" charset="0"/>
+              </a:rPr>
               <a:t>această</a:t>
             </a:r>
             <a:r>
-              <a:rPr lang="en-US" sz="2400" dirty="0"/>
+              <a:rPr lang="en-US" sz="2400" dirty="0">
+                <a:latin typeface="Times New Roman" panose="02020603050405020304" pitchFamily="18" charset="0"/>
+                <a:cs typeface="Times New Roman" panose="02020603050405020304" pitchFamily="18" charset="0"/>
+              </a:rPr>
               <a:t> </a:t>
             </a:r>
             <a:r>
-              <a:rPr lang="en-US" sz="2400" dirty="0" err="1"/>
+              <a:rPr lang="en-US" sz="2400" dirty="0" err="1">
+                <a:latin typeface="Times New Roman" panose="02020603050405020304" pitchFamily="18" charset="0"/>
+                <a:cs typeface="Times New Roman" panose="02020603050405020304" pitchFamily="18" charset="0"/>
+              </a:rPr>
               <a:t>etapă</a:t>
             </a:r>
             <a:r>
-              <a:rPr lang="en-US" sz="2400" dirty="0"/>
+              <a:rPr lang="en-US" sz="2400" dirty="0">
+                <a:latin typeface="Times New Roman" panose="02020603050405020304" pitchFamily="18" charset="0"/>
+                <a:cs typeface="Times New Roman" panose="02020603050405020304" pitchFamily="18" charset="0"/>
+              </a:rPr>
               <a:t> </a:t>
             </a:r>
             <a:r>
-              <a:rPr lang="en-US" sz="2400" dirty="0" err="1"/>
+              <a:rPr lang="en-US" sz="2400" dirty="0" err="1">
+                <a:latin typeface="Times New Roman" panose="02020603050405020304" pitchFamily="18" charset="0"/>
+                <a:cs typeface="Times New Roman" panose="02020603050405020304" pitchFamily="18" charset="0"/>
+              </a:rPr>
               <a:t>până</a:t>
             </a:r>
             <a:r>
-              <a:rPr lang="en-US" sz="2400" dirty="0"/>
+              <a:rPr lang="en-US" sz="2400" dirty="0">
+                <a:latin typeface="Times New Roman" panose="02020603050405020304" pitchFamily="18" charset="0"/>
+                <a:cs typeface="Times New Roman" panose="02020603050405020304" pitchFamily="18" charset="0"/>
+              </a:rPr>
               <a:t> </a:t>
             </a:r>
             <a:r>
-              <a:rPr lang="en-US" sz="2400" dirty="0" err="1"/>
+              <a:rPr lang="en-US" sz="2400" dirty="0" err="1">
+                <a:latin typeface="Times New Roman" panose="02020603050405020304" pitchFamily="18" charset="0"/>
+                <a:cs typeface="Times New Roman" panose="02020603050405020304" pitchFamily="18" charset="0"/>
+              </a:rPr>
               <a:t>când</a:t>
             </a:r>
             <a:r>
-              <a:rPr lang="en-US" sz="2400" dirty="0"/>
+              <a:rPr lang="en-US" sz="2400" dirty="0">
+                <a:latin typeface="Times New Roman" panose="02020603050405020304" pitchFamily="18" charset="0"/>
+                <a:cs typeface="Times New Roman" panose="02020603050405020304" pitchFamily="18" charset="0"/>
+              </a:rPr>
               <a:t> </a:t>
             </a:r>
             <a:r>
-              <a:rPr lang="en-US" sz="2400" dirty="0" err="1"/>
+              <a:rPr lang="en-US" sz="2400" dirty="0" err="1">
+                <a:latin typeface="Times New Roman" panose="02020603050405020304" pitchFamily="18" charset="0"/>
+                <a:cs typeface="Times New Roman" panose="02020603050405020304" pitchFamily="18" charset="0"/>
+              </a:rPr>
               <a:t>fiecare</a:t>
             </a:r>
             <a:r>
-              <a:rPr lang="en-US" sz="2400" dirty="0"/>
+              <a:rPr lang="en-US" sz="2400" dirty="0">
+                <a:latin typeface="Times New Roman" panose="02020603050405020304" pitchFamily="18" charset="0"/>
+                <a:cs typeface="Times New Roman" panose="02020603050405020304" pitchFamily="18" charset="0"/>
+              </a:rPr>
               <a:t> participant are o </a:t>
             </a:r>
             <a:r>
-              <a:rPr lang="en-US" sz="2400" dirty="0" err="1"/>
+              <a:rPr lang="en-US" sz="2400" dirty="0" err="1">
+                <a:latin typeface="Times New Roman" panose="02020603050405020304" pitchFamily="18" charset="0"/>
+                <a:cs typeface="Times New Roman" panose="02020603050405020304" pitchFamily="18" charset="0"/>
+              </a:rPr>
               <a:t>singură</a:t>
             </a:r>
             <a:r>
-              <a:rPr lang="en-US" sz="2400" dirty="0"/>
+              <a:rPr lang="en-US" sz="2400" dirty="0">
+                <a:latin typeface="Times New Roman" panose="02020603050405020304" pitchFamily="18" charset="0"/>
+                <a:cs typeface="Times New Roman" panose="02020603050405020304" pitchFamily="18" charset="0"/>
+              </a:rPr>
               <a:t> </a:t>
             </a:r>
             <a:r>
-              <a:rPr lang="en-US" sz="2400" dirty="0" err="1"/>
+              <a:rPr lang="en-US" sz="2400" dirty="0" err="1">
+                <a:latin typeface="Times New Roman" panose="02020603050405020304" pitchFamily="18" charset="0"/>
+                <a:cs typeface="Times New Roman" panose="02020603050405020304" pitchFamily="18" charset="0"/>
+              </a:rPr>
               <a:t>opțiune</a:t>
             </a:r>
-            <a:endParaRPr lang="en-US" sz="2400" dirty="0"/>
+            <a:endParaRPr lang="en-US" sz="2400" dirty="0">
+              <a:latin typeface="Times New Roman" panose="02020603050405020304" pitchFamily="18" charset="0"/>
+              <a:cs typeface="Times New Roman" panose="02020603050405020304" pitchFamily="18" charset="0"/>
+            </a:endParaRPr>
           </a:p>
           <a:p>
             <a:pPr marL="0" indent="0">
@@ -3609,6 +3905,1358 @@
 </file>
 
 <file path=ppt/slides/slide11.xml><?xml version="1.0" encoding="utf-8"?>
+<p:sld xmlns:a="http://schemas.openxmlformats.org/drawingml/2006/main" xmlns:r="http://schemas.openxmlformats.org/officeDocument/2006/relationships" xmlns:p="http://schemas.openxmlformats.org/presentationml/2006/main">
+  <p:cSld>
+    <p:spTree>
+      <p:nvGrpSpPr>
+        <p:cNvPr id="1" name=""/>
+        <p:cNvGrpSpPr/>
+        <p:nvPr/>
+      </p:nvGrpSpPr>
+      <p:grpSpPr>
+        <a:xfrm>
+          <a:off x="0" y="0"/>
+          <a:ext cx="0" cy="0"/>
+          <a:chOff x="0" y="0"/>
+          <a:chExt cx="0" cy="0"/>
+        </a:xfrm>
+      </p:grpSpPr>
+      <p:sp>
+        <p:nvSpPr>
+          <p:cNvPr id="2" name="Title 1"/>
+          <p:cNvSpPr>
+            <a:spLocks noGrp="1"/>
+          </p:cNvSpPr>
+          <p:nvPr>
+            <p:ph type="title"/>
+          </p:nvPr>
+        </p:nvSpPr>
+        <p:spPr/>
+        <p:txBody>
+          <a:bodyPr/>
+          <a:lstStyle/>
+          <a:p>
+            <a:pPr algn="ctr"/>
+            <a:r>
+              <a:rPr lang="ro-RO" dirty="0" smtClean="0">
+                <a:latin typeface="Times New Roman" panose="02020603050405020304" pitchFamily="18" charset="0"/>
+                <a:cs typeface="Times New Roman" panose="02020603050405020304" pitchFamily="18" charset="0"/>
+              </a:rPr>
+              <a:t>Exemplu</a:t>
+            </a:r>
+            <a:endParaRPr lang="en-US" dirty="0">
+              <a:latin typeface="Times New Roman" panose="02020603050405020304" pitchFamily="18" charset="0"/>
+              <a:cs typeface="Times New Roman" panose="02020603050405020304" pitchFamily="18" charset="0"/>
+            </a:endParaRPr>
+          </a:p>
+        </p:txBody>
+      </p:sp>
+      <p:pic>
+        <p:nvPicPr>
+          <p:cNvPr id="4" name="Content Placeholder 3"/>
+          <p:cNvPicPr>
+            <a:picLocks noGrp="1" noChangeAspect="1"/>
+          </p:cNvPicPr>
+          <p:nvPr>
+            <p:ph idx="1"/>
+          </p:nvPr>
+        </p:nvPicPr>
+        <p:blipFill>
+          <a:blip r:embed="rId2">
+            <a:extLst>
+              <a:ext uri="{28A0092B-C50C-407E-A947-70E740481C1C}">
+                <a14:useLocalDpi xmlns:a14="http://schemas.microsoft.com/office/drawing/2010/main" val="0"/>
+              </a:ext>
+            </a:extLst>
+          </a:blip>
+          <a:stretch>
+            <a:fillRect/>
+          </a:stretch>
+        </p:blipFill>
+        <p:spPr>
+          <a:xfrm>
+            <a:off x="2202303" y="1825625"/>
+            <a:ext cx="7787394" cy="4351338"/>
+          </a:xfrm>
+        </p:spPr>
+      </p:pic>
+    </p:spTree>
+    <p:extLst>
+      <p:ext uri="{BB962C8B-B14F-4D97-AF65-F5344CB8AC3E}">
+        <p14:creationId xmlns:p14="http://schemas.microsoft.com/office/powerpoint/2010/main" val="3568882428"/>
+      </p:ext>
+    </p:extLst>
+  </p:cSld>
+  <p:clrMapOvr>
+    <a:masterClrMapping/>
+  </p:clrMapOvr>
+  <p:timing>
+    <p:tnLst>
+      <p:par>
+        <p:cTn id="1" dur="indefinite" restart="never" nodeType="tmRoot"/>
+      </p:par>
+    </p:tnLst>
+  </p:timing>
+</p:sld>
+</file>
+
+<file path=ppt/slides/slide12.xml><?xml version="1.0" encoding="utf-8"?>
+<p:sld xmlns:a="http://schemas.openxmlformats.org/drawingml/2006/main" xmlns:r="http://schemas.openxmlformats.org/officeDocument/2006/relationships" xmlns:p="http://schemas.openxmlformats.org/presentationml/2006/main">
+  <p:cSld>
+    <p:spTree>
+      <p:nvGrpSpPr>
+        <p:cNvPr id="1" name=""/>
+        <p:cNvGrpSpPr/>
+        <p:nvPr/>
+      </p:nvGrpSpPr>
+      <p:grpSpPr>
+        <a:xfrm>
+          <a:off x="0" y="0"/>
+          <a:ext cx="0" cy="0"/>
+          <a:chOff x="0" y="0"/>
+          <a:chExt cx="0" cy="0"/>
+        </a:xfrm>
+      </p:grpSpPr>
+      <p:sp>
+        <p:nvSpPr>
+          <p:cNvPr id="2" name="Title 1"/>
+          <p:cNvSpPr>
+            <a:spLocks noGrp="1"/>
+          </p:cNvSpPr>
+          <p:nvPr>
+            <p:ph type="title"/>
+          </p:nvPr>
+        </p:nvSpPr>
+        <p:spPr/>
+        <p:txBody>
+          <a:bodyPr/>
+          <a:lstStyle/>
+          <a:p>
+            <a:endParaRPr lang="en-US" dirty="0"/>
+          </a:p>
+        </p:txBody>
+      </p:sp>
+      <p:sp>
+        <p:nvSpPr>
+          <p:cNvPr id="3" name="Content Placeholder 2"/>
+          <p:cNvSpPr>
+            <a:spLocks noGrp="1"/>
+          </p:cNvSpPr>
+          <p:nvPr>
+            <p:ph idx="1"/>
+          </p:nvPr>
+        </p:nvSpPr>
+        <p:spPr>
+          <a:xfrm>
+            <a:off x="3128553" y="2767883"/>
+            <a:ext cx="3742509" cy="2084524"/>
+          </a:xfrm>
+        </p:spPr>
+        <p:txBody>
+          <a:bodyPr>
+            <a:normAutofit/>
+          </a:bodyPr>
+          <a:lstStyle/>
+          <a:p>
+            <a:pPr marL="0" indent="0">
+              <a:buNone/>
+            </a:pPr>
+            <a:r>
+              <a:rPr lang="ro-RO" sz="9600" dirty="0" smtClean="0">
+                <a:latin typeface="Times New Roman" panose="02020603050405020304" pitchFamily="18" charset="0"/>
+                <a:cs typeface="Times New Roman" panose="02020603050405020304" pitchFamily="18" charset="0"/>
+              </a:rPr>
+              <a:t>Demo</a:t>
+            </a:r>
+            <a:endParaRPr lang="en-US" sz="9600" dirty="0">
+              <a:latin typeface="Times New Roman" panose="02020603050405020304" pitchFamily="18" charset="0"/>
+              <a:cs typeface="Times New Roman" panose="02020603050405020304" pitchFamily="18" charset="0"/>
+            </a:endParaRPr>
+          </a:p>
+        </p:txBody>
+      </p:sp>
+      <p:pic>
+        <p:nvPicPr>
+          <p:cNvPr id="5" name="Picture 4"/>
+          <p:cNvPicPr>
+            <a:picLocks noChangeAspect="1"/>
+          </p:cNvPicPr>
+          <p:nvPr/>
+        </p:nvPicPr>
+        <p:blipFill>
+          <a:blip r:embed="rId2">
+            <a:extLst>
+              <a:ext uri="{28A0092B-C50C-407E-A947-70E740481C1C}">
+                <a14:useLocalDpi xmlns:a14="http://schemas.microsoft.com/office/drawing/2010/main" val="0"/>
+              </a:ext>
+            </a:extLst>
+          </a:blip>
+          <a:stretch>
+            <a:fillRect/>
+          </a:stretch>
+        </p:blipFill>
+        <p:spPr>
+          <a:xfrm>
+            <a:off x="6279332" y="2423603"/>
+            <a:ext cx="2141406" cy="2324301"/>
+          </a:xfrm>
+          <a:prstGeom prst="rect">
+            <a:avLst/>
+          </a:prstGeom>
+        </p:spPr>
+      </p:pic>
+    </p:spTree>
+    <p:extLst>
+      <p:ext uri="{BB962C8B-B14F-4D97-AF65-F5344CB8AC3E}">
+        <p14:creationId xmlns:p14="http://schemas.microsoft.com/office/powerpoint/2010/main" val="3398026248"/>
+      </p:ext>
+    </p:extLst>
+  </p:cSld>
+  <p:clrMapOvr>
+    <a:masterClrMapping/>
+  </p:clrMapOvr>
+  <p:timing>
+    <p:tnLst>
+      <p:par>
+        <p:cTn id="1" dur="indefinite" restart="never" nodeType="tmRoot"/>
+      </p:par>
+    </p:tnLst>
+  </p:timing>
+</p:sld>
+</file>
+
+<file path=ppt/slides/slide13.xml><?xml version="1.0" encoding="utf-8"?>
+<p:sld xmlns:a="http://schemas.openxmlformats.org/drawingml/2006/main" xmlns:r="http://schemas.openxmlformats.org/officeDocument/2006/relationships" xmlns:p="http://schemas.openxmlformats.org/presentationml/2006/main">
+  <p:cSld>
+    <p:spTree>
+      <p:nvGrpSpPr>
+        <p:cNvPr id="1" name=""/>
+        <p:cNvGrpSpPr/>
+        <p:nvPr/>
+      </p:nvGrpSpPr>
+      <p:grpSpPr>
+        <a:xfrm>
+          <a:off x="0" y="0"/>
+          <a:ext cx="0" cy="0"/>
+          <a:chOff x="0" y="0"/>
+          <a:chExt cx="0" cy="0"/>
+        </a:xfrm>
+      </p:grpSpPr>
+    </p:spTree>
+    <p:extLst>
+      <p:ext uri="{BB962C8B-B14F-4D97-AF65-F5344CB8AC3E}">
+        <p14:creationId xmlns:p14="http://schemas.microsoft.com/office/powerpoint/2010/main" val="1128443624"/>
+      </p:ext>
+    </p:extLst>
+  </p:cSld>
+  <p:clrMapOvr>
+    <a:masterClrMapping/>
+  </p:clrMapOvr>
+  <p:timing>
+    <p:tnLst>
+      <p:par>
+        <p:cTn id="1" dur="indefinite" restart="never" nodeType="tmRoot"/>
+      </p:par>
+    </p:tnLst>
+  </p:timing>
+</p:sld>
+</file>
+
+<file path=ppt/slides/slide14.xml><?xml version="1.0" encoding="utf-8"?>
+<p:sld xmlns:a="http://schemas.openxmlformats.org/drawingml/2006/main" xmlns:r="http://schemas.openxmlformats.org/officeDocument/2006/relationships" xmlns:p="http://schemas.openxmlformats.org/presentationml/2006/main">
+  <p:cSld>
+    <p:spTree>
+      <p:nvGrpSpPr>
+        <p:cNvPr id="1" name=""/>
+        <p:cNvGrpSpPr/>
+        <p:nvPr/>
+      </p:nvGrpSpPr>
+      <p:grpSpPr>
+        <a:xfrm>
+          <a:off x="0" y="0"/>
+          <a:ext cx="0" cy="0"/>
+          <a:chOff x="0" y="0"/>
+          <a:chExt cx="0" cy="0"/>
+        </a:xfrm>
+      </p:grpSpPr>
+      <p:sp>
+        <p:nvSpPr>
+          <p:cNvPr id="2" name="Title 1"/>
+          <p:cNvSpPr>
+            <a:spLocks noGrp="1"/>
+          </p:cNvSpPr>
+          <p:nvPr>
+            <p:ph type="title"/>
+          </p:nvPr>
+        </p:nvSpPr>
+        <p:spPr/>
+        <p:txBody>
+          <a:bodyPr/>
+          <a:lstStyle/>
+          <a:p>
+            <a:pPr algn="ctr"/>
+            <a:r>
+              <a:rPr lang="ro-RO" dirty="0" smtClean="0">
+                <a:latin typeface="Times New Roman" panose="02020603050405020304" pitchFamily="18" charset="0"/>
+                <a:cs typeface="Times New Roman" panose="02020603050405020304" pitchFamily="18" charset="0"/>
+              </a:rPr>
+              <a:t>Concluzii și îmbunătățiri</a:t>
+            </a:r>
+            <a:endParaRPr lang="en-US" dirty="0">
+              <a:latin typeface="Times New Roman" panose="02020603050405020304" pitchFamily="18" charset="0"/>
+              <a:cs typeface="Times New Roman" panose="02020603050405020304" pitchFamily="18" charset="0"/>
+            </a:endParaRPr>
+          </a:p>
+        </p:txBody>
+      </p:sp>
+      <p:sp>
+        <p:nvSpPr>
+          <p:cNvPr id="3" name="Content Placeholder 2"/>
+          <p:cNvSpPr>
+            <a:spLocks noGrp="1"/>
+          </p:cNvSpPr>
+          <p:nvPr>
+            <p:ph idx="1"/>
+          </p:nvPr>
+        </p:nvSpPr>
+        <p:spPr>
+          <a:xfrm>
+            <a:off x="838200" y="1811384"/>
+            <a:ext cx="10515600" cy="4182699"/>
+          </a:xfrm>
+        </p:spPr>
+        <p:txBody>
+          <a:bodyPr>
+            <a:normAutofit lnSpcReduction="10000"/>
+          </a:bodyPr>
+          <a:lstStyle/>
+          <a:p>
+            <a:pPr algn="just">
+              <a:lnSpc>
+                <a:spcPct val="150000"/>
+              </a:lnSpc>
+            </a:pPr>
+            <a:r>
+              <a:rPr lang="ro-RO" sz="2400" dirty="0">
+                <a:latin typeface="Times New Roman" panose="02020603050405020304" pitchFamily="18" charset="0"/>
+                <a:cs typeface="Times New Roman" panose="02020603050405020304" pitchFamily="18" charset="0"/>
+              </a:rPr>
+              <a:t>Aplicație ușor de utilizat, configurare ușoară prin importarea de fișiere .CSV (adăugarea studenților, repartizarea la cămin</a:t>
+            </a:r>
+            <a:r>
+              <a:rPr lang="ro-RO" sz="2400" dirty="0" smtClean="0">
+                <a:latin typeface="Times New Roman" panose="02020603050405020304" pitchFamily="18" charset="0"/>
+                <a:cs typeface="Times New Roman" panose="02020603050405020304" pitchFamily="18" charset="0"/>
+              </a:rPr>
+              <a:t>)</a:t>
+            </a:r>
+          </a:p>
+          <a:p>
+            <a:pPr algn="just">
+              <a:lnSpc>
+                <a:spcPct val="150000"/>
+              </a:lnSpc>
+            </a:pPr>
+            <a:r>
+              <a:rPr lang="ro-RO" sz="2400" dirty="0" smtClean="0">
+                <a:latin typeface="Times New Roman" panose="02020603050405020304" pitchFamily="18" charset="0"/>
+                <a:cs typeface="Times New Roman" panose="02020603050405020304" pitchFamily="18" charset="0"/>
+              </a:rPr>
+              <a:t>Alegerea colegilor de cameră din orice loc cu access la internet</a:t>
+            </a:r>
+          </a:p>
+          <a:p>
+            <a:pPr algn="just">
+              <a:lnSpc>
+                <a:spcPct val="150000"/>
+              </a:lnSpc>
+            </a:pPr>
+            <a:r>
+              <a:rPr lang="ro-RO" sz="2400" dirty="0" smtClean="0">
+                <a:latin typeface="Times New Roman" panose="02020603050405020304" pitchFamily="18" charset="0"/>
+                <a:cs typeface="Times New Roman" panose="02020603050405020304" pitchFamily="18" charset="0"/>
+              </a:rPr>
+              <a:t>Folosirea paginii de recenzii în cazul în care nu cunoști pe nimeni</a:t>
+            </a:r>
+          </a:p>
+          <a:p>
+            <a:pPr algn="just">
+              <a:lnSpc>
+                <a:spcPct val="150000"/>
+              </a:lnSpc>
+            </a:pPr>
+            <a:r>
+              <a:rPr lang="ro-RO" sz="2400" dirty="0" smtClean="0">
+                <a:latin typeface="Times New Roman" panose="02020603050405020304" pitchFamily="18" charset="0"/>
+                <a:cs typeface="Times New Roman" panose="02020603050405020304" pitchFamily="18" charset="0"/>
+              </a:rPr>
+              <a:t>Îmbunătățiri:</a:t>
+            </a:r>
+          </a:p>
+          <a:p>
+            <a:pPr lvl="1" algn="just">
+              <a:lnSpc>
+                <a:spcPct val="150000"/>
+              </a:lnSpc>
+            </a:pPr>
+            <a:r>
+              <a:rPr lang="ro-RO" sz="2000" dirty="0" smtClean="0">
+                <a:latin typeface="Times New Roman" panose="02020603050405020304" pitchFamily="18" charset="0"/>
+                <a:cs typeface="Times New Roman" panose="02020603050405020304" pitchFamily="18" charset="0"/>
+              </a:rPr>
+              <a:t>Optare pentru cămin prin intermediul aplicației</a:t>
+            </a:r>
+          </a:p>
+          <a:p>
+            <a:pPr lvl="1" algn="just">
+              <a:lnSpc>
+                <a:spcPct val="150000"/>
+              </a:lnSpc>
+            </a:pPr>
+            <a:r>
+              <a:rPr lang="ro-RO" sz="2000" dirty="0" smtClean="0">
+                <a:latin typeface="Times New Roman" panose="02020603050405020304" pitchFamily="18" charset="0"/>
+                <a:cs typeface="Times New Roman" panose="02020603050405020304" pitchFamily="18" charset="0"/>
+              </a:rPr>
+              <a:t>Recomandarea studenților conform răspunsurilor dintr-un chestionar completat inițial</a:t>
+            </a:r>
+            <a:endParaRPr lang="en-US" sz="2000" dirty="0">
+              <a:latin typeface="Times New Roman" panose="02020603050405020304" pitchFamily="18" charset="0"/>
+              <a:cs typeface="Times New Roman" panose="02020603050405020304" pitchFamily="18" charset="0"/>
+            </a:endParaRPr>
+          </a:p>
+        </p:txBody>
+      </p:sp>
+    </p:spTree>
+    <p:extLst>
+      <p:ext uri="{BB962C8B-B14F-4D97-AF65-F5344CB8AC3E}">
+        <p14:creationId xmlns:p14="http://schemas.microsoft.com/office/powerpoint/2010/main" val="1449561328"/>
+      </p:ext>
+    </p:extLst>
+  </p:cSld>
+  <p:clrMapOvr>
+    <a:masterClrMapping/>
+  </p:clrMapOvr>
+  <p:timing>
+    <p:tnLst>
+      <p:par>
+        <p:cTn id="1" dur="indefinite" restart="never" nodeType="tmRoot"/>
+      </p:par>
+    </p:tnLst>
+  </p:timing>
+</p:sld>
+</file>
+
+<file path=ppt/slides/slide15.xml><?xml version="1.0" encoding="utf-8"?>
+<p:sld xmlns:a="http://schemas.openxmlformats.org/drawingml/2006/main" xmlns:r="http://schemas.openxmlformats.org/officeDocument/2006/relationships" xmlns:p="http://schemas.openxmlformats.org/presentationml/2006/main">
+  <p:cSld>
+    <p:spTree>
+      <p:nvGrpSpPr>
+        <p:cNvPr id="1" name=""/>
+        <p:cNvGrpSpPr/>
+        <p:nvPr/>
+      </p:nvGrpSpPr>
+      <p:grpSpPr>
+        <a:xfrm>
+          <a:off x="0" y="0"/>
+          <a:ext cx="0" cy="0"/>
+          <a:chOff x="0" y="0"/>
+          <a:chExt cx="0" cy="0"/>
+        </a:xfrm>
+      </p:grpSpPr>
+      <p:sp>
+        <p:nvSpPr>
+          <p:cNvPr id="2" name="Title 1"/>
+          <p:cNvSpPr>
+            <a:spLocks noGrp="1"/>
+          </p:cNvSpPr>
+          <p:nvPr>
+            <p:ph type="title"/>
+          </p:nvPr>
+        </p:nvSpPr>
+        <p:spPr/>
+        <p:txBody>
+          <a:bodyPr/>
+          <a:lstStyle/>
+          <a:p>
+            <a:r>
+              <a:rPr lang="ro-RO" dirty="0" smtClean="0">
+                <a:latin typeface="Times New Roman" panose="02020603050405020304" pitchFamily="18" charset="0"/>
+                <a:cs typeface="Times New Roman" panose="02020603050405020304" pitchFamily="18" charset="0"/>
+              </a:rPr>
+              <a:t>Linkuri pentru imaginile utilizate</a:t>
+            </a:r>
+            <a:endParaRPr lang="en-US" dirty="0">
+              <a:latin typeface="Times New Roman" panose="02020603050405020304" pitchFamily="18" charset="0"/>
+              <a:cs typeface="Times New Roman" panose="02020603050405020304" pitchFamily="18" charset="0"/>
+            </a:endParaRPr>
+          </a:p>
+        </p:txBody>
+      </p:sp>
+      <p:sp>
+        <p:nvSpPr>
+          <p:cNvPr id="5" name="Content Placeholder 4"/>
+          <p:cNvSpPr>
+            <a:spLocks noGrp="1"/>
+          </p:cNvSpPr>
+          <p:nvPr>
+            <p:ph idx="1"/>
+          </p:nvPr>
+        </p:nvSpPr>
+        <p:spPr/>
+        <p:txBody>
+          <a:bodyPr/>
+          <a:lstStyle/>
+          <a:p>
+            <a:r>
+              <a:rPr lang="en-US" dirty="0" smtClean="0">
+                <a:latin typeface="Times New Roman" panose="02020603050405020304" pitchFamily="18" charset="0"/>
+                <a:cs typeface="Times New Roman" panose="02020603050405020304" pitchFamily="18" charset="0"/>
+                <a:hlinkClick r:id="rId2"/>
+              </a:rPr>
+              <a:t>https://medium.com/covenant-university-developers-community/html-css-and-javascript-as-fast-as-possible-e92af1350a3b</a:t>
+            </a:r>
+            <a:endParaRPr lang="ro-RO" dirty="0" smtClean="0">
+              <a:latin typeface="Times New Roman" panose="02020603050405020304" pitchFamily="18" charset="0"/>
+              <a:cs typeface="Times New Roman" panose="02020603050405020304" pitchFamily="18" charset="0"/>
+            </a:endParaRPr>
+          </a:p>
+          <a:p>
+            <a:r>
+              <a:rPr lang="ro-RO" dirty="0" smtClean="0">
+                <a:latin typeface="Times New Roman" panose="02020603050405020304" pitchFamily="18" charset="0"/>
+                <a:cs typeface="Times New Roman" panose="02020603050405020304" pitchFamily="18" charset="0"/>
+                <a:hlinkClick r:id="rId3"/>
+              </a:rPr>
+              <a:t>https://www.djangoproject.com/community/logos/</a:t>
+            </a:r>
+            <a:endParaRPr lang="ro-RO" dirty="0" smtClean="0">
+              <a:latin typeface="Times New Roman" panose="02020603050405020304" pitchFamily="18" charset="0"/>
+              <a:cs typeface="Times New Roman" panose="02020603050405020304" pitchFamily="18" charset="0"/>
+            </a:endParaRPr>
+          </a:p>
+          <a:p>
+            <a:r>
+              <a:rPr lang="ro-RO" dirty="0" smtClean="0">
+                <a:latin typeface="Times New Roman" panose="02020603050405020304" pitchFamily="18" charset="0"/>
+                <a:cs typeface="Times New Roman" panose="02020603050405020304" pitchFamily="18" charset="0"/>
+                <a:hlinkClick r:id="rId4"/>
+              </a:rPr>
+              <a:t>https://freebiesupply.com/logos/mysql-logo/</a:t>
+            </a:r>
+            <a:endParaRPr lang="ro-RO" dirty="0" smtClean="0">
+              <a:latin typeface="Times New Roman" panose="02020603050405020304" pitchFamily="18" charset="0"/>
+              <a:cs typeface="Times New Roman" panose="02020603050405020304" pitchFamily="18" charset="0"/>
+            </a:endParaRPr>
+          </a:p>
+          <a:p>
+            <a:r>
+              <a:rPr lang="ro-RO" dirty="0" smtClean="0">
+                <a:latin typeface="Times New Roman" panose="02020603050405020304" pitchFamily="18" charset="0"/>
+                <a:cs typeface="Times New Roman" panose="02020603050405020304" pitchFamily="18" charset="0"/>
+                <a:hlinkClick r:id="rId5"/>
+              </a:rPr>
+              <a:t>https://www.python.org/community/logos/</a:t>
+            </a:r>
+            <a:endParaRPr lang="ro-RO" dirty="0" smtClean="0">
+              <a:latin typeface="Times New Roman" panose="02020603050405020304" pitchFamily="18" charset="0"/>
+              <a:cs typeface="Times New Roman" panose="02020603050405020304" pitchFamily="18" charset="0"/>
+            </a:endParaRPr>
+          </a:p>
+          <a:p>
+            <a:endParaRPr lang="ro-RO" dirty="0"/>
+          </a:p>
+          <a:p>
+            <a:pPr marL="0" indent="0">
+              <a:buNone/>
+            </a:pPr>
+            <a:r>
+              <a:rPr lang="ro-RO" sz="4400" dirty="0" smtClean="0"/>
+              <a:t>Citat</a:t>
+            </a:r>
+          </a:p>
+          <a:p>
+            <a:r>
+              <a:rPr lang="ro-RO" dirty="0">
+                <a:latin typeface="Times New Roman" panose="02020603050405020304" pitchFamily="18" charset="0"/>
+                <a:cs typeface="Times New Roman" panose="02020603050405020304" pitchFamily="18" charset="0"/>
+                <a:hlinkClick r:id="rId6"/>
+              </a:rPr>
+              <a:t>https://docs.djangoproject.com/en/2.0/faq/general</a:t>
+            </a:r>
+            <a:r>
+              <a:rPr lang="ro-RO" dirty="0" smtClean="0">
+                <a:latin typeface="Times New Roman" panose="02020603050405020304" pitchFamily="18" charset="0"/>
+                <a:cs typeface="Times New Roman" panose="02020603050405020304" pitchFamily="18" charset="0"/>
+                <a:hlinkClick r:id="rId6"/>
+              </a:rPr>
+              <a:t>/</a:t>
+            </a:r>
+            <a:endParaRPr lang="ro-RO" dirty="0" smtClean="0">
+              <a:latin typeface="Times New Roman" panose="02020603050405020304" pitchFamily="18" charset="0"/>
+              <a:cs typeface="Times New Roman" panose="02020603050405020304" pitchFamily="18" charset="0"/>
+            </a:endParaRPr>
+          </a:p>
+          <a:p>
+            <a:pPr marL="0" indent="0">
+              <a:buNone/>
+            </a:pPr>
+            <a:endParaRPr lang="ro-RO" sz="4400" dirty="0" smtClean="0"/>
+          </a:p>
+          <a:p>
+            <a:endParaRPr lang="ro-RO" dirty="0" smtClean="0"/>
+          </a:p>
+          <a:p>
+            <a:endParaRPr lang="ro-RO" dirty="0" smtClean="0"/>
+          </a:p>
+          <a:p>
+            <a:endParaRPr lang="ro-RO" dirty="0" smtClean="0"/>
+          </a:p>
+          <a:p>
+            <a:endParaRPr lang="ro-RO" dirty="0" smtClean="0"/>
+          </a:p>
+          <a:p>
+            <a:endParaRPr lang="en-US" dirty="0"/>
+          </a:p>
+        </p:txBody>
+      </p:sp>
+    </p:spTree>
+    <p:extLst>
+      <p:ext uri="{BB962C8B-B14F-4D97-AF65-F5344CB8AC3E}">
+        <p14:creationId xmlns:p14="http://schemas.microsoft.com/office/powerpoint/2010/main" val="3900609349"/>
+      </p:ext>
+    </p:extLst>
+  </p:cSld>
+  <p:clrMapOvr>
+    <a:masterClrMapping/>
+  </p:clrMapOvr>
+  <p:timing>
+    <p:tnLst>
+      <p:par>
+        <p:cTn id="1" dur="indefinite" restart="never" nodeType="tmRoot"/>
+      </p:par>
+    </p:tnLst>
+  </p:timing>
+</p:sld>
+</file>
+
+<file path=ppt/slides/slide2.xml><?xml version="1.0" encoding="utf-8"?>
+<p:sld xmlns:a="http://schemas.openxmlformats.org/drawingml/2006/main" xmlns:r="http://schemas.openxmlformats.org/officeDocument/2006/relationships" xmlns:p="http://schemas.openxmlformats.org/presentationml/2006/main">
+  <p:cSld>
+    <p:spTree>
+      <p:nvGrpSpPr>
+        <p:cNvPr id="1" name=""/>
+        <p:cNvGrpSpPr/>
+        <p:nvPr/>
+      </p:nvGrpSpPr>
+      <p:grpSpPr>
+        <a:xfrm>
+          <a:off x="0" y="0"/>
+          <a:ext cx="0" cy="0"/>
+          <a:chOff x="0" y="0"/>
+          <a:chExt cx="0" cy="0"/>
+        </a:xfrm>
+      </p:grpSpPr>
+      <p:sp>
+        <p:nvSpPr>
+          <p:cNvPr id="2" name="Title 1"/>
+          <p:cNvSpPr>
+            <a:spLocks noGrp="1"/>
+          </p:cNvSpPr>
+          <p:nvPr>
+            <p:ph type="title"/>
+          </p:nvPr>
+        </p:nvSpPr>
+        <p:spPr/>
+        <p:txBody>
+          <a:bodyPr/>
+          <a:lstStyle/>
+          <a:p>
+            <a:pPr algn="ctr"/>
+            <a:r>
+              <a:rPr lang="ro-RO" dirty="0" smtClean="0">
+                <a:latin typeface="Times New Roman" panose="02020603050405020304" pitchFamily="18" charset="0"/>
+                <a:cs typeface="Times New Roman" panose="02020603050405020304" pitchFamily="18" charset="0"/>
+              </a:rPr>
+              <a:t>Cuprins</a:t>
+            </a:r>
+            <a:endParaRPr lang="en-US" dirty="0">
+              <a:latin typeface="Times New Roman" panose="02020603050405020304" pitchFamily="18" charset="0"/>
+              <a:cs typeface="Times New Roman" panose="02020603050405020304" pitchFamily="18" charset="0"/>
+            </a:endParaRPr>
+          </a:p>
+        </p:txBody>
+      </p:sp>
+      <p:sp>
+        <p:nvSpPr>
+          <p:cNvPr id="3" name="Content Placeholder 2"/>
+          <p:cNvSpPr>
+            <a:spLocks noGrp="1"/>
+          </p:cNvSpPr>
+          <p:nvPr>
+            <p:ph idx="1"/>
+          </p:nvPr>
+        </p:nvSpPr>
+        <p:spPr>
+          <a:xfrm>
+            <a:off x="1230085" y="1690688"/>
+            <a:ext cx="10515600" cy="4351338"/>
+          </a:xfrm>
+        </p:spPr>
+        <p:txBody>
+          <a:bodyPr>
+            <a:normAutofit fontScale="92500" lnSpcReduction="10000"/>
+          </a:bodyPr>
+          <a:lstStyle/>
+          <a:p>
+            <a:r>
+              <a:rPr lang="ro-RO" sz="3600" dirty="0" smtClean="0">
+                <a:latin typeface="Times New Roman" panose="02020603050405020304" pitchFamily="18" charset="0"/>
+                <a:cs typeface="Times New Roman" panose="02020603050405020304" pitchFamily="18" charset="0"/>
+              </a:rPr>
+              <a:t>Formularea problemei</a:t>
+            </a:r>
+          </a:p>
+          <a:p>
+            <a:r>
+              <a:rPr lang="ro-RO" sz="3600" dirty="0" smtClean="0">
+                <a:latin typeface="Times New Roman" panose="02020603050405020304" pitchFamily="18" charset="0"/>
+                <a:cs typeface="Times New Roman" panose="02020603050405020304" pitchFamily="18" charset="0"/>
+              </a:rPr>
+              <a:t>Soluția</a:t>
+            </a:r>
+          </a:p>
+          <a:p>
+            <a:r>
+              <a:rPr lang="ro-RO" sz="3600" dirty="0" smtClean="0">
+                <a:latin typeface="Times New Roman" panose="02020603050405020304" pitchFamily="18" charset="0"/>
+                <a:cs typeface="Times New Roman" panose="02020603050405020304" pitchFamily="18" charset="0"/>
+              </a:rPr>
+              <a:t>Structura aplicației</a:t>
+            </a:r>
+          </a:p>
+          <a:p>
+            <a:r>
+              <a:rPr lang="ro-RO" sz="3600" dirty="0" smtClean="0">
+                <a:latin typeface="Times New Roman" panose="02020603050405020304" pitchFamily="18" charset="0"/>
+                <a:cs typeface="Times New Roman" panose="02020603050405020304" pitchFamily="18" charset="0"/>
+              </a:rPr>
+              <a:t>Tehnologii utilizate</a:t>
+            </a:r>
+          </a:p>
+          <a:p>
+            <a:r>
+              <a:rPr lang="ro-RO" sz="3600" dirty="0" smtClean="0">
+                <a:latin typeface="Times New Roman" panose="02020603050405020304" pitchFamily="18" charset="0"/>
+                <a:cs typeface="Times New Roman" panose="02020603050405020304" pitchFamily="18" charset="0"/>
+              </a:rPr>
+              <a:t>Arhitectura aplicației</a:t>
+            </a:r>
+          </a:p>
+          <a:p>
+            <a:r>
+              <a:rPr lang="ro-RO" sz="3600" dirty="0" smtClean="0">
+                <a:latin typeface="Times New Roman" panose="02020603050405020304" pitchFamily="18" charset="0"/>
+                <a:cs typeface="Times New Roman" panose="02020603050405020304" pitchFamily="18" charset="0"/>
+              </a:rPr>
+              <a:t>Algoritmul de stable matching roommates</a:t>
+            </a:r>
+          </a:p>
+          <a:p>
+            <a:r>
+              <a:rPr lang="ro-RO" sz="3600" dirty="0" smtClean="0">
+                <a:latin typeface="Times New Roman" panose="02020603050405020304" pitchFamily="18" charset="0"/>
+                <a:cs typeface="Times New Roman" panose="02020603050405020304" pitchFamily="18" charset="0"/>
+              </a:rPr>
+              <a:t>Demo</a:t>
+            </a:r>
+          </a:p>
+          <a:p>
+            <a:r>
+              <a:rPr lang="ro-RO" sz="3600" dirty="0" smtClean="0">
+                <a:latin typeface="Times New Roman" panose="02020603050405020304" pitchFamily="18" charset="0"/>
+                <a:cs typeface="Times New Roman" panose="02020603050405020304" pitchFamily="18" charset="0"/>
+              </a:rPr>
+              <a:t>Concluzii și îmbunătățiri</a:t>
+            </a:r>
+            <a:endParaRPr lang="en-US" sz="3600" dirty="0">
+              <a:latin typeface="Times New Roman" panose="02020603050405020304" pitchFamily="18" charset="0"/>
+              <a:cs typeface="Times New Roman" panose="02020603050405020304" pitchFamily="18" charset="0"/>
+            </a:endParaRPr>
+          </a:p>
+        </p:txBody>
+      </p:sp>
+    </p:spTree>
+    <p:extLst>
+      <p:ext uri="{BB962C8B-B14F-4D97-AF65-F5344CB8AC3E}">
+        <p14:creationId xmlns:p14="http://schemas.microsoft.com/office/powerpoint/2010/main" val="815869409"/>
+      </p:ext>
+    </p:extLst>
+  </p:cSld>
+  <p:clrMapOvr>
+    <a:masterClrMapping/>
+  </p:clrMapOvr>
+  <p:timing>
+    <p:tnLst>
+      <p:par>
+        <p:cTn id="1" dur="indefinite" restart="never" nodeType="tmRoot"/>
+      </p:par>
+    </p:tnLst>
+  </p:timing>
+</p:sld>
+</file>
+
+<file path=ppt/slides/slide3.xml><?xml version="1.0" encoding="utf-8"?>
+<p:sld xmlns:a="http://schemas.openxmlformats.org/drawingml/2006/main" xmlns:r="http://schemas.openxmlformats.org/officeDocument/2006/relationships" xmlns:p="http://schemas.openxmlformats.org/presentationml/2006/main">
+  <p:cSld>
+    <p:spTree>
+      <p:nvGrpSpPr>
+        <p:cNvPr id="1" name=""/>
+        <p:cNvGrpSpPr/>
+        <p:nvPr/>
+      </p:nvGrpSpPr>
+      <p:grpSpPr>
+        <a:xfrm>
+          <a:off x="0" y="0"/>
+          <a:ext cx="0" cy="0"/>
+          <a:chOff x="0" y="0"/>
+          <a:chExt cx="0" cy="0"/>
+        </a:xfrm>
+      </p:grpSpPr>
+      <p:sp>
+        <p:nvSpPr>
+          <p:cNvPr id="2" name="Title 1"/>
+          <p:cNvSpPr>
+            <a:spLocks noGrp="1"/>
+          </p:cNvSpPr>
+          <p:nvPr>
+            <p:ph type="title"/>
+          </p:nvPr>
+        </p:nvSpPr>
+        <p:spPr/>
+        <p:txBody>
+          <a:bodyPr/>
+          <a:lstStyle/>
+          <a:p>
+            <a:pPr algn="ctr"/>
+            <a:r>
+              <a:rPr lang="ro-RO" dirty="0" smtClean="0">
+                <a:latin typeface="Times New Roman" panose="02020603050405020304" pitchFamily="18" charset="0"/>
+                <a:cs typeface="Times New Roman" panose="02020603050405020304" pitchFamily="18" charset="0"/>
+              </a:rPr>
+              <a:t>Formularea problemei</a:t>
+            </a:r>
+            <a:endParaRPr lang="en-US" dirty="0">
+              <a:latin typeface="Times New Roman" panose="02020603050405020304" pitchFamily="18" charset="0"/>
+              <a:cs typeface="Times New Roman" panose="02020603050405020304" pitchFamily="18" charset="0"/>
+            </a:endParaRPr>
+          </a:p>
+        </p:txBody>
+      </p:sp>
+      <p:sp>
+        <p:nvSpPr>
+          <p:cNvPr id="3" name="Content Placeholder 2"/>
+          <p:cNvSpPr>
+            <a:spLocks noGrp="1"/>
+          </p:cNvSpPr>
+          <p:nvPr>
+            <p:ph idx="1"/>
+          </p:nvPr>
+        </p:nvSpPr>
+        <p:spPr>
+          <a:xfrm>
+            <a:off x="1169126" y="2583270"/>
+            <a:ext cx="10515600" cy="4351338"/>
+          </a:xfrm>
+        </p:spPr>
+        <p:txBody>
+          <a:bodyPr numCol="1">
+            <a:normAutofit/>
+          </a:bodyPr>
+          <a:lstStyle/>
+          <a:p>
+            <a:pPr marL="0" indent="0">
+              <a:buNone/>
+            </a:pPr>
+            <a:r>
+              <a:rPr lang="ro-RO" dirty="0" smtClean="0">
+                <a:latin typeface="Times New Roman" panose="02020603050405020304" pitchFamily="18" charset="0"/>
+                <a:cs typeface="Times New Roman" panose="02020603050405020304" pitchFamily="18" charset="0"/>
+              </a:rPr>
+              <a:t>În momentul de față</a:t>
+            </a:r>
+          </a:p>
+          <a:p>
+            <a:pPr lvl="1"/>
+            <a:r>
+              <a:rPr lang="ro-RO" sz="2800" dirty="0" smtClean="0">
+                <a:latin typeface="Times New Roman" panose="02020603050405020304" pitchFamily="18" charset="0"/>
+                <a:cs typeface="Times New Roman" panose="02020603050405020304" pitchFamily="18" charset="0"/>
+              </a:rPr>
+              <a:t>Sincronizarea cu viitorii colegi de cameră</a:t>
+            </a:r>
+          </a:p>
+          <a:p>
+            <a:pPr lvl="1"/>
+            <a:r>
+              <a:rPr lang="ro-RO" sz="2800" dirty="0" smtClean="0">
+                <a:latin typeface="Times New Roman" panose="02020603050405020304" pitchFamily="18" charset="0"/>
+                <a:cs typeface="Times New Roman" panose="02020603050405020304" pitchFamily="18" charset="0"/>
+              </a:rPr>
+              <a:t>Aglomerație</a:t>
+            </a:r>
+          </a:p>
+          <a:p>
+            <a:pPr lvl="1"/>
+            <a:r>
+              <a:rPr lang="ro-RO" sz="2800" dirty="0" smtClean="0">
+                <a:latin typeface="Times New Roman" panose="02020603050405020304" pitchFamily="18" charset="0"/>
+                <a:cs typeface="Times New Roman" panose="02020603050405020304" pitchFamily="18" charset="0"/>
+              </a:rPr>
+              <a:t>Necesitatea personalului/voluntarilor din cadrul facultății</a:t>
+            </a:r>
+          </a:p>
+          <a:p>
+            <a:pPr lvl="1"/>
+            <a:r>
+              <a:rPr lang="ro-RO" sz="2800" dirty="0" smtClean="0">
+                <a:latin typeface="Times New Roman" panose="02020603050405020304" pitchFamily="18" charset="0"/>
+                <a:cs typeface="Times New Roman" panose="02020603050405020304" pitchFamily="18" charset="0"/>
+              </a:rPr>
+              <a:t>Completarea numeroaselor formulare</a:t>
+            </a:r>
+          </a:p>
+          <a:p>
+            <a:pPr marL="457200" lvl="1" indent="0">
+              <a:buNone/>
+            </a:pPr>
+            <a:endParaRPr lang="ro-RO" sz="3200" dirty="0" smtClean="0"/>
+          </a:p>
+        </p:txBody>
+      </p:sp>
+    </p:spTree>
+    <p:extLst>
+      <p:ext uri="{BB962C8B-B14F-4D97-AF65-F5344CB8AC3E}">
+        <p14:creationId xmlns:p14="http://schemas.microsoft.com/office/powerpoint/2010/main" val="1268625211"/>
+      </p:ext>
+    </p:extLst>
+  </p:cSld>
+  <p:clrMapOvr>
+    <a:masterClrMapping/>
+  </p:clrMapOvr>
+  <p:timing>
+    <p:tnLst>
+      <p:par>
+        <p:cTn id="1" dur="indefinite" restart="never" nodeType="tmRoot"/>
+      </p:par>
+    </p:tnLst>
+  </p:timing>
+</p:sld>
+</file>
+
+<file path=ppt/slides/slide4.xml><?xml version="1.0" encoding="utf-8"?>
+<p:sld xmlns:a="http://schemas.openxmlformats.org/drawingml/2006/main" xmlns:r="http://schemas.openxmlformats.org/officeDocument/2006/relationships" xmlns:p="http://schemas.openxmlformats.org/presentationml/2006/main">
+  <p:cSld>
+    <p:spTree>
+      <p:nvGrpSpPr>
+        <p:cNvPr id="1" name=""/>
+        <p:cNvGrpSpPr/>
+        <p:nvPr/>
+      </p:nvGrpSpPr>
+      <p:grpSpPr>
+        <a:xfrm>
+          <a:off x="0" y="0"/>
+          <a:ext cx="0" cy="0"/>
+          <a:chOff x="0" y="0"/>
+          <a:chExt cx="0" cy="0"/>
+        </a:xfrm>
+      </p:grpSpPr>
+      <p:sp>
+        <p:nvSpPr>
+          <p:cNvPr id="2" name="Title 1"/>
+          <p:cNvSpPr>
+            <a:spLocks noGrp="1"/>
+          </p:cNvSpPr>
+          <p:nvPr>
+            <p:ph type="title"/>
+          </p:nvPr>
+        </p:nvSpPr>
+        <p:spPr/>
+        <p:txBody>
+          <a:bodyPr>
+            <a:normAutofit/>
+          </a:bodyPr>
+          <a:lstStyle/>
+          <a:p>
+            <a:pPr algn="ctr"/>
+            <a:r>
+              <a:rPr lang="ro-RO" dirty="0" smtClean="0">
+                <a:latin typeface="Times New Roman" panose="02020603050405020304" pitchFamily="18" charset="0"/>
+                <a:cs typeface="Times New Roman" panose="02020603050405020304" pitchFamily="18" charset="0"/>
+              </a:rPr>
+              <a:t>Soluția</a:t>
+            </a:r>
+            <a:endParaRPr lang="en-US" dirty="0">
+              <a:latin typeface="Times New Roman" panose="02020603050405020304" pitchFamily="18" charset="0"/>
+              <a:cs typeface="Times New Roman" panose="02020603050405020304" pitchFamily="18" charset="0"/>
+            </a:endParaRPr>
+          </a:p>
+        </p:txBody>
+      </p:sp>
+      <p:pic>
+        <p:nvPicPr>
+          <p:cNvPr id="4" name="Content Placeholder 3"/>
+          <p:cNvPicPr>
+            <a:picLocks noGrp="1" noChangeAspect="1"/>
+          </p:cNvPicPr>
+          <p:nvPr>
+            <p:ph sz="half" idx="2"/>
+          </p:nvPr>
+        </p:nvPicPr>
+        <p:blipFill>
+          <a:blip r:embed="rId2">
+            <a:extLst>
+              <a:ext uri="{28A0092B-C50C-407E-A947-70E740481C1C}">
+                <a14:useLocalDpi xmlns:a14="http://schemas.microsoft.com/office/drawing/2010/main" val="0"/>
+              </a:ext>
+            </a:extLst>
+          </a:blip>
+          <a:stretch>
+            <a:fillRect/>
+          </a:stretch>
+        </p:blipFill>
+        <p:spPr>
+          <a:xfrm>
+            <a:off x="7197318" y="1731237"/>
+            <a:ext cx="3721174" cy="3472375"/>
+          </a:xfrm>
+        </p:spPr>
+      </p:pic>
+      <p:sp>
+        <p:nvSpPr>
+          <p:cNvPr id="8" name="Content Placeholder 7"/>
+          <p:cNvSpPr>
+            <a:spLocks noGrp="1"/>
+          </p:cNvSpPr>
+          <p:nvPr>
+            <p:ph sz="quarter" idx="4"/>
+          </p:nvPr>
+        </p:nvSpPr>
+        <p:spPr>
+          <a:xfrm>
+            <a:off x="746759" y="2731118"/>
+            <a:ext cx="5976258" cy="3869979"/>
+          </a:xfrm>
+        </p:spPr>
+        <p:txBody>
+          <a:bodyPr/>
+          <a:lstStyle/>
+          <a:p>
+            <a:pPr marL="0" indent="0" algn="just">
+              <a:buNone/>
+            </a:pPr>
+            <a:r>
+              <a:rPr lang="ro-RO" dirty="0" smtClean="0">
+                <a:latin typeface="Times New Roman" panose="02020603050405020304" pitchFamily="18" charset="0"/>
+                <a:cs typeface="Times New Roman" panose="02020603050405020304" pitchFamily="18" charset="0"/>
+              </a:rPr>
+              <a:t>O aplicație online prin intermediul căreia să îți alegi colegii de cameră</a:t>
+            </a:r>
+          </a:p>
+          <a:p>
+            <a:pPr marL="0" indent="0" algn="just">
+              <a:buNone/>
+            </a:pPr>
+            <a:r>
+              <a:rPr lang="ro-RO" dirty="0" smtClean="0">
+                <a:latin typeface="Times New Roman" panose="02020603050405020304" pitchFamily="18" charset="0"/>
+                <a:cs typeface="Times New Roman" panose="02020603050405020304" pitchFamily="18" charset="0"/>
+              </a:rPr>
+              <a:t>...</a:t>
+            </a:r>
+            <a:r>
+              <a:rPr lang="en-US" smtClean="0">
+                <a:latin typeface="Times New Roman" panose="02020603050405020304" pitchFamily="18" charset="0"/>
+                <a:cs typeface="Times New Roman" panose="02020603050405020304" pitchFamily="18" charset="0"/>
+              </a:rPr>
+              <a:t> </a:t>
+            </a:r>
+            <a:r>
+              <a:rPr lang="ro-RO" smtClean="0">
+                <a:latin typeface="Times New Roman" panose="02020603050405020304" pitchFamily="18" charset="0"/>
+                <a:cs typeface="Times New Roman" panose="02020603050405020304" pitchFamily="18" charset="0"/>
+              </a:rPr>
+              <a:t>sau </a:t>
+            </a:r>
+            <a:r>
+              <a:rPr lang="ro-RO" dirty="0" smtClean="0">
+                <a:latin typeface="Times New Roman" panose="02020603050405020304" pitchFamily="18" charset="0"/>
+                <a:cs typeface="Times New Roman" panose="02020603050405020304" pitchFamily="18" charset="0"/>
+              </a:rPr>
+              <a:t>care să te ajute să îi găsești?</a:t>
+            </a:r>
+          </a:p>
+          <a:p>
+            <a:pPr lvl="1"/>
+            <a:endParaRPr lang="en-US" dirty="0"/>
+          </a:p>
+        </p:txBody>
+      </p:sp>
+    </p:spTree>
+    <p:extLst>
+      <p:ext uri="{BB962C8B-B14F-4D97-AF65-F5344CB8AC3E}">
+        <p14:creationId xmlns:p14="http://schemas.microsoft.com/office/powerpoint/2010/main" val="2813573546"/>
+      </p:ext>
+    </p:extLst>
+  </p:cSld>
+  <p:clrMapOvr>
+    <a:masterClrMapping/>
+  </p:clrMapOvr>
+  <p:timing>
+    <p:tnLst>
+      <p:par>
+        <p:cTn id="1" dur="indefinite" restart="never" nodeType="tmRoot"/>
+      </p:par>
+    </p:tnLst>
+  </p:timing>
+</p:sld>
+</file>
+
+<file path=ppt/slides/slide5.xml><?xml version="1.0" encoding="utf-8"?>
+<p:sld xmlns:a="http://schemas.openxmlformats.org/drawingml/2006/main" xmlns:r="http://schemas.openxmlformats.org/officeDocument/2006/relationships" xmlns:p="http://schemas.openxmlformats.org/presentationml/2006/main">
+  <p:cSld>
+    <p:spTree>
+      <p:nvGrpSpPr>
+        <p:cNvPr id="1" name=""/>
+        <p:cNvGrpSpPr/>
+        <p:nvPr/>
+      </p:nvGrpSpPr>
+      <p:grpSpPr>
+        <a:xfrm>
+          <a:off x="0" y="0"/>
+          <a:ext cx="0" cy="0"/>
+          <a:chOff x="0" y="0"/>
+          <a:chExt cx="0" cy="0"/>
+        </a:xfrm>
+      </p:grpSpPr>
+      <p:sp>
+        <p:nvSpPr>
+          <p:cNvPr id="7" name="Title 6"/>
+          <p:cNvSpPr>
+            <a:spLocks noGrp="1"/>
+          </p:cNvSpPr>
+          <p:nvPr>
+            <p:ph type="title"/>
+          </p:nvPr>
+        </p:nvSpPr>
+        <p:spPr/>
+        <p:txBody>
+          <a:bodyPr/>
+          <a:lstStyle/>
+          <a:p>
+            <a:pPr algn="ctr"/>
+            <a:r>
+              <a:rPr lang="ro-RO" dirty="0" smtClean="0">
+                <a:latin typeface="Times New Roman" panose="02020603050405020304" pitchFamily="18" charset="0"/>
+                <a:cs typeface="Times New Roman" panose="02020603050405020304" pitchFamily="18" charset="0"/>
+              </a:rPr>
+              <a:t>Structura aplicației</a:t>
+            </a:r>
+            <a:endParaRPr lang="en-US" dirty="0">
+              <a:latin typeface="Times New Roman" panose="02020603050405020304" pitchFamily="18" charset="0"/>
+              <a:cs typeface="Times New Roman" panose="02020603050405020304" pitchFamily="18" charset="0"/>
+            </a:endParaRPr>
+          </a:p>
+        </p:txBody>
+      </p:sp>
+      <p:sp>
+        <p:nvSpPr>
+          <p:cNvPr id="9" name="Content Placeholder 8"/>
+          <p:cNvSpPr>
+            <a:spLocks noGrp="1"/>
+          </p:cNvSpPr>
+          <p:nvPr>
+            <p:ph sz="half" idx="1"/>
+          </p:nvPr>
+        </p:nvSpPr>
+        <p:spPr/>
+        <p:txBody>
+          <a:bodyPr>
+            <a:normAutofit/>
+          </a:bodyPr>
+          <a:lstStyle/>
+          <a:p>
+            <a:pPr marL="0" indent="0">
+              <a:buNone/>
+            </a:pPr>
+            <a:r>
+              <a:rPr lang="ro-RO" dirty="0" smtClean="0">
+                <a:latin typeface="Times New Roman" panose="02020603050405020304" pitchFamily="18" charset="0"/>
+                <a:cs typeface="Times New Roman" panose="02020603050405020304" pitchFamily="18" charset="0"/>
+              </a:rPr>
+              <a:t>Modulul user(studentul)</a:t>
+            </a:r>
+          </a:p>
+          <a:p>
+            <a:r>
+              <a:rPr lang="ro-RO" dirty="0">
+                <a:latin typeface="Times New Roman" panose="02020603050405020304" pitchFamily="18" charset="0"/>
+                <a:cs typeface="Times New Roman" panose="02020603050405020304" pitchFamily="18" charset="0"/>
+              </a:rPr>
+              <a:t>i</a:t>
+            </a:r>
+            <a:r>
+              <a:rPr lang="ro-RO" dirty="0" smtClean="0">
+                <a:latin typeface="Times New Roman" panose="02020603050405020304" pitchFamily="18" charset="0"/>
+                <a:cs typeface="Times New Roman" panose="02020603050405020304" pitchFamily="18" charset="0"/>
+              </a:rPr>
+              <a:t>nformații despre cămine</a:t>
+            </a:r>
+          </a:p>
+          <a:p>
+            <a:r>
+              <a:rPr lang="ro-RO" dirty="0" smtClean="0">
+                <a:latin typeface="Times New Roman" panose="02020603050405020304" pitchFamily="18" charset="0"/>
+                <a:cs typeface="Times New Roman" panose="02020603050405020304" pitchFamily="18" charset="0"/>
+              </a:rPr>
+              <a:t>află dacă a fost repartizat la cămin</a:t>
+            </a:r>
+          </a:p>
+          <a:p>
+            <a:r>
+              <a:rPr lang="ro-RO" dirty="0">
+                <a:latin typeface="Times New Roman" panose="02020603050405020304" pitchFamily="18" charset="0"/>
+                <a:cs typeface="Times New Roman" panose="02020603050405020304" pitchFamily="18" charset="0"/>
+              </a:rPr>
+              <a:t>vede păreri despre alți </a:t>
+            </a:r>
+            <a:r>
+              <a:rPr lang="ro-RO" dirty="0" smtClean="0">
+                <a:latin typeface="Times New Roman" panose="02020603050405020304" pitchFamily="18" charset="0"/>
+                <a:cs typeface="Times New Roman" panose="02020603050405020304" pitchFamily="18" charset="0"/>
+              </a:rPr>
+              <a:t>studenți</a:t>
+            </a:r>
+          </a:p>
+          <a:p>
+            <a:r>
+              <a:rPr lang="ro-RO" dirty="0" smtClean="0">
+                <a:latin typeface="Times New Roman" panose="02020603050405020304" pitchFamily="18" charset="0"/>
+                <a:cs typeface="Times New Roman" panose="02020603050405020304" pitchFamily="18" charset="0"/>
+              </a:rPr>
+              <a:t>alege persoanele cu care dorește să stea în cameră</a:t>
+            </a:r>
+          </a:p>
+          <a:p>
+            <a:r>
+              <a:rPr lang="ro-RO" dirty="0" smtClean="0">
+                <a:latin typeface="Times New Roman" panose="02020603050405020304" pitchFamily="18" charset="0"/>
+                <a:cs typeface="Times New Roman" panose="02020603050405020304" pitchFamily="18" charset="0"/>
+              </a:rPr>
+              <a:t>află camera și colegii cu care a fost repartizat</a:t>
+            </a:r>
+          </a:p>
+          <a:p>
+            <a:pPr marL="0" indent="0">
+              <a:buNone/>
+            </a:pPr>
+            <a:endParaRPr lang="en-US" dirty="0">
+              <a:latin typeface="Times New Roman" panose="02020603050405020304" pitchFamily="18" charset="0"/>
+              <a:cs typeface="Times New Roman" panose="02020603050405020304" pitchFamily="18" charset="0"/>
+            </a:endParaRPr>
+          </a:p>
+        </p:txBody>
+      </p:sp>
+      <p:sp>
+        <p:nvSpPr>
+          <p:cNvPr id="10" name="Content Placeholder 9"/>
+          <p:cNvSpPr>
+            <a:spLocks noGrp="1"/>
+          </p:cNvSpPr>
+          <p:nvPr>
+            <p:ph sz="half" idx="2"/>
+          </p:nvPr>
+        </p:nvSpPr>
+        <p:spPr/>
+        <p:txBody>
+          <a:bodyPr>
+            <a:normAutofit/>
+          </a:bodyPr>
+          <a:lstStyle/>
+          <a:p>
+            <a:pPr marL="0" indent="0">
+              <a:buNone/>
+            </a:pPr>
+            <a:r>
+              <a:rPr lang="ro-RO" dirty="0" smtClean="0"/>
+              <a:t>Modulul administrator</a:t>
+            </a:r>
+          </a:p>
+          <a:p>
+            <a:r>
+              <a:rPr lang="ro-RO" dirty="0"/>
+              <a:t>c</a:t>
+            </a:r>
+            <a:r>
+              <a:rPr lang="ro-RO" dirty="0" smtClean="0"/>
+              <a:t>reează conturi studenților</a:t>
+            </a:r>
+          </a:p>
+          <a:p>
+            <a:r>
+              <a:rPr lang="ro-RO" dirty="0"/>
+              <a:t>r</a:t>
+            </a:r>
+            <a:r>
+              <a:rPr lang="ro-RO" dirty="0" smtClean="0"/>
+              <a:t>ealizează repartizarea studenților la cămin</a:t>
+            </a:r>
+          </a:p>
+          <a:p>
+            <a:r>
+              <a:rPr lang="ro-RO" dirty="0"/>
+              <a:t>e</a:t>
+            </a:r>
+            <a:r>
+              <a:rPr lang="ro-RO" dirty="0" smtClean="0"/>
+              <a:t>xecută algoritmul de repartizare în camere</a:t>
+            </a:r>
+          </a:p>
+          <a:p>
+            <a:pPr marL="0" indent="0">
+              <a:buNone/>
+            </a:pPr>
+            <a:endParaRPr lang="ro-RO" dirty="0" smtClean="0"/>
+          </a:p>
+          <a:p>
+            <a:endParaRPr lang="ro-RO" dirty="0" smtClean="0"/>
+          </a:p>
+          <a:p>
+            <a:endParaRPr lang="en-US" dirty="0"/>
+          </a:p>
+        </p:txBody>
+      </p:sp>
+    </p:spTree>
+    <p:extLst>
+      <p:ext uri="{BB962C8B-B14F-4D97-AF65-F5344CB8AC3E}">
+        <p14:creationId xmlns:p14="http://schemas.microsoft.com/office/powerpoint/2010/main" val="2085137131"/>
+      </p:ext>
+    </p:extLst>
+  </p:cSld>
+  <p:clrMapOvr>
+    <a:masterClrMapping/>
+  </p:clrMapOvr>
+  <p:timing>
+    <p:tnLst>
+      <p:par>
+        <p:cTn id="1" dur="indefinite" restart="never" nodeType="tmRoot"/>
+      </p:par>
+    </p:tnLst>
+  </p:timing>
+</p:sld>
+</file>
+
+<file path=ppt/slides/slide6.xml><?xml version="1.0" encoding="utf-8"?>
 <p:sld xmlns:a="http://schemas.openxmlformats.org/drawingml/2006/main" xmlns:r="http://schemas.openxmlformats.org/officeDocument/2006/relationships" xmlns:p="http://schemas.openxmlformats.org/presentationml/2006/main">
   <p:cSld>
     <p:spTree>
@@ -3820,7 +5468,7 @@
 </p:sld>
 </file>
 
-<file path=ppt/slides/slide12.xml><?xml version="1.0" encoding="utf-8"?>
+<file path=ppt/slides/slide7.xml><?xml version="1.0" encoding="utf-8"?>
 <p:sld xmlns:a="http://schemas.openxmlformats.org/drawingml/2006/main" xmlns:r="http://schemas.openxmlformats.org/officeDocument/2006/relationships" xmlns:p="http://schemas.openxmlformats.org/presentationml/2006/main">
   <p:cSld>
     <p:spTree>
@@ -3917,43 +5565,66 @@
           <a:lstStyle/>
           <a:p>
             <a:r>
-              <a:rPr lang="ro-RO" dirty="0" smtClean="0"/>
+              <a:rPr lang="ro-RO" dirty="0" smtClean="0">
+                <a:latin typeface="Times New Roman" panose="02020603050405020304" pitchFamily="18" charset="0"/>
+                <a:cs typeface="Times New Roman" panose="02020603050405020304" pitchFamily="18" charset="0"/>
+              </a:rPr>
               <a:t>Model-Template-View</a:t>
             </a:r>
-            <a:endParaRPr lang="ro-RO" dirty="0" smtClean="0"/>
-          </a:p>
-          <a:p>
-            <a:r>
-              <a:rPr lang="en-US" dirty="0" smtClean="0"/>
+          </a:p>
+          <a:p>
+            <a:r>
+              <a:rPr lang="en-US" dirty="0" smtClean="0">
+                <a:latin typeface="Times New Roman" panose="02020603050405020304" pitchFamily="18" charset="0"/>
+                <a:cs typeface="Times New Roman" panose="02020603050405020304" pitchFamily="18" charset="0"/>
+              </a:rPr>
               <a:t>La </a:t>
             </a:r>
             <a:r>
-              <a:rPr lang="en-US" dirty="0" err="1" smtClean="0"/>
+              <a:rPr lang="en-US" dirty="0" err="1" smtClean="0">
+                <a:latin typeface="Times New Roman" panose="02020603050405020304" pitchFamily="18" charset="0"/>
+                <a:cs typeface="Times New Roman" panose="02020603050405020304" pitchFamily="18" charset="0"/>
+              </a:rPr>
               <a:t>baz</a:t>
             </a:r>
             <a:r>
-              <a:rPr lang="ro-RO" dirty="0" smtClean="0"/>
+              <a:rPr lang="ro-RO" dirty="0" smtClean="0">
+                <a:latin typeface="Times New Roman" panose="02020603050405020304" pitchFamily="18" charset="0"/>
+                <a:cs typeface="Times New Roman" panose="02020603050405020304" pitchFamily="18" charset="0"/>
+              </a:rPr>
               <a:t>ă MVC cu o logică reinterpretată</a:t>
             </a:r>
           </a:p>
           <a:p>
             <a:pPr lvl="1"/>
             <a:r>
-              <a:rPr lang="ro-RO" dirty="0" smtClean="0"/>
+              <a:rPr lang="ro-RO" dirty="0" smtClean="0">
+                <a:latin typeface="Times New Roman" panose="02020603050405020304" pitchFamily="18" charset="0"/>
+                <a:cs typeface="Times New Roman" panose="02020603050405020304" pitchFamily="18" charset="0"/>
+              </a:rPr>
               <a:t>C din MVC -</a:t>
             </a:r>
             <a:r>
-              <a:rPr lang="en-US" dirty="0" smtClean="0"/>
+              <a:rPr lang="en-US" dirty="0" smtClean="0">
+                <a:latin typeface="Times New Roman" panose="02020603050405020304" pitchFamily="18" charset="0"/>
+                <a:cs typeface="Times New Roman" panose="02020603050405020304" pitchFamily="18" charset="0"/>
+              </a:rPr>
               <a:t>&gt; V din MTV</a:t>
             </a:r>
           </a:p>
           <a:p>
             <a:pPr lvl="1"/>
             <a:r>
-              <a:rPr lang="en-US" dirty="0" smtClean="0"/>
+              <a:rPr lang="en-US" dirty="0" smtClean="0">
+                <a:latin typeface="Times New Roman" panose="02020603050405020304" pitchFamily="18" charset="0"/>
+                <a:cs typeface="Times New Roman" panose="02020603050405020304" pitchFamily="18" charset="0"/>
+              </a:rPr>
               <a:t>V din MVC -&gt; T din MTV</a:t>
             </a:r>
-            <a:endParaRPr lang="ro-RO" dirty="0" smtClean="0"/>
+            <a:endParaRPr lang="ro-RO" dirty="0" smtClean="0">
+              <a:latin typeface="Times New Roman" panose="02020603050405020304" pitchFamily="18" charset="0"/>
+              <a:cs typeface="Times New Roman" panose="02020603050405020304" pitchFamily="18" charset="0"/>
+            </a:endParaRPr>
           </a:p>
           <a:p>
             <a:pPr marL="0" indent="0">
@@ -3967,1470 +5638,6 @@
     <p:extLst>
       <p:ext uri="{BB962C8B-B14F-4D97-AF65-F5344CB8AC3E}">
         <p14:creationId xmlns:p14="http://schemas.microsoft.com/office/powerpoint/2010/main" val="840142558"/>
-      </p:ext>
-    </p:extLst>
-  </p:cSld>
-  <p:clrMapOvr>
-    <a:masterClrMapping/>
-  </p:clrMapOvr>
-  <p:timing>
-    <p:tnLst>
-      <p:par>
-        <p:cTn id="1" dur="indefinite" restart="never" nodeType="tmRoot"/>
-      </p:par>
-    </p:tnLst>
-  </p:timing>
-</p:sld>
-</file>
-
-<file path=ppt/slides/slide13.xml><?xml version="1.0" encoding="utf-8"?>
-<p:sld xmlns:a="http://schemas.openxmlformats.org/drawingml/2006/main" xmlns:r="http://schemas.openxmlformats.org/officeDocument/2006/relationships" xmlns:p="http://schemas.openxmlformats.org/presentationml/2006/main">
-  <p:cSld>
-    <p:spTree>
-      <p:nvGrpSpPr>
-        <p:cNvPr id="1" name=""/>
-        <p:cNvGrpSpPr/>
-        <p:nvPr/>
-      </p:nvGrpSpPr>
-      <p:grpSpPr>
-        <a:xfrm>
-          <a:off x="0" y="0"/>
-          <a:ext cx="0" cy="0"/>
-          <a:chOff x="0" y="0"/>
-          <a:chExt cx="0" cy="0"/>
-        </a:xfrm>
-      </p:grpSpPr>
-      <p:sp>
-        <p:nvSpPr>
-          <p:cNvPr id="2" name="Title 1"/>
-          <p:cNvSpPr>
-            <a:spLocks noGrp="1"/>
-          </p:cNvSpPr>
-          <p:nvPr>
-            <p:ph type="title"/>
-          </p:nvPr>
-        </p:nvSpPr>
-        <p:spPr/>
-        <p:txBody>
-          <a:bodyPr/>
-          <a:lstStyle/>
-          <a:p>
-            <a:pPr algn="ctr"/>
-            <a:r>
-              <a:rPr lang="ro-RO" dirty="0" smtClean="0">
-                <a:latin typeface="Times New Roman" panose="02020603050405020304" pitchFamily="18" charset="0"/>
-                <a:cs typeface="Times New Roman" panose="02020603050405020304" pitchFamily="18" charset="0"/>
-              </a:rPr>
-              <a:t>Arhitectura Django</a:t>
-            </a:r>
-            <a:endParaRPr lang="en-US" dirty="0">
-              <a:latin typeface="Times New Roman" panose="02020603050405020304" pitchFamily="18" charset="0"/>
-              <a:cs typeface="Times New Roman" panose="02020603050405020304" pitchFamily="18" charset="0"/>
-            </a:endParaRPr>
-          </a:p>
-        </p:txBody>
-      </p:sp>
-      <p:sp>
-        <p:nvSpPr>
-          <p:cNvPr id="5" name="Content Placeholder 4"/>
-          <p:cNvSpPr>
-            <a:spLocks noGrp="1"/>
-          </p:cNvSpPr>
-          <p:nvPr>
-            <p:ph idx="1"/>
-          </p:nvPr>
-        </p:nvSpPr>
-        <p:spPr/>
-        <p:txBody>
-          <a:bodyPr/>
-          <a:lstStyle/>
-          <a:p>
-            <a:pPr marL="0" indent="0">
-              <a:buNone/>
-            </a:pPr>
-            <a:r>
-              <a:rPr lang="ro-RO" dirty="0" smtClean="0">
-                <a:latin typeface="Times New Roman" panose="02020603050405020304" pitchFamily="18" charset="0"/>
-                <a:cs typeface="Times New Roman" panose="02020603050405020304" pitchFamily="18" charset="0"/>
-              </a:rPr>
-              <a:t>Ce se întâmplă cu Controller-ul?</a:t>
-            </a:r>
-          </a:p>
-          <a:p>
-            <a:pPr marL="457200" lvl="1" indent="0">
-              <a:buNone/>
-            </a:pPr>
-            <a:r>
-              <a:rPr lang="ro-RO" dirty="0" smtClean="0">
-                <a:latin typeface="Times New Roman" panose="02020603050405020304" pitchFamily="18" charset="0"/>
-                <a:cs typeface="Times New Roman" panose="02020603050405020304" pitchFamily="18" charset="0"/>
-              </a:rPr>
-              <a:t>Conform logicii din Django este însuși framework-ul.</a:t>
-            </a:r>
-          </a:p>
-          <a:p>
-            <a:pPr marL="457200" lvl="1" indent="0">
-              <a:buNone/>
-            </a:pPr>
-            <a:endParaRPr lang="ro-RO" dirty="0" smtClean="0"/>
-          </a:p>
-          <a:p>
-            <a:pPr marL="457200" lvl="1" indent="0">
-              <a:buNone/>
-            </a:pPr>
-            <a:endParaRPr lang="ro-RO" dirty="0"/>
-          </a:p>
-          <a:p>
-            <a:pPr marL="0" indent="0">
-              <a:buNone/>
-            </a:pPr>
-            <a:r>
-              <a:rPr lang="ro-RO" dirty="0" smtClean="0">
-                <a:latin typeface="Times New Roman" panose="02020603050405020304" pitchFamily="18" charset="0"/>
-                <a:cs typeface="Times New Roman" panose="02020603050405020304" pitchFamily="18" charset="0"/>
-              </a:rPr>
-              <a:t> Cu toate acestea...</a:t>
-            </a:r>
-          </a:p>
-          <a:p>
-            <a:pPr lvl="1"/>
-            <a:r>
-              <a:rPr lang="ro-RO" dirty="0" smtClean="0">
-                <a:latin typeface="Times New Roman" panose="02020603050405020304" pitchFamily="18" charset="0"/>
-                <a:cs typeface="Times New Roman" panose="02020603050405020304" pitchFamily="18" charset="0"/>
-              </a:rPr>
-              <a:t>„</a:t>
-            </a:r>
-            <a:r>
-              <a:rPr lang="ro-RO" dirty="0">
-                <a:latin typeface="Times New Roman" panose="02020603050405020304" pitchFamily="18" charset="0"/>
-                <a:cs typeface="Times New Roman" panose="02020603050405020304" pitchFamily="18" charset="0"/>
-              </a:rPr>
-              <a:t>La finalul zilei, bineînțeles, totul se rezumă la atingerea obiectivului. Și, indiferent cum sunt numite lucrurile, Django duce lucrurile la bun sfârșit într-o manieră care este cea mai logică pentru noi</a:t>
-            </a:r>
-            <a:r>
-              <a:rPr lang="ro-RO" dirty="0" smtClean="0">
-                <a:latin typeface="Times New Roman" panose="02020603050405020304" pitchFamily="18" charset="0"/>
-                <a:cs typeface="Times New Roman" panose="02020603050405020304" pitchFamily="18" charset="0"/>
-              </a:rPr>
-              <a:t>”</a:t>
-            </a:r>
-          </a:p>
-          <a:p>
-            <a:pPr lvl="1"/>
-            <a:endParaRPr lang="ro-RO" dirty="0" smtClean="0"/>
-          </a:p>
-          <a:p>
-            <a:pPr marL="457200" lvl="1" indent="0">
-              <a:buNone/>
-            </a:pPr>
-            <a:endParaRPr lang="ro-RO" dirty="0"/>
-          </a:p>
-        </p:txBody>
-      </p:sp>
-    </p:spTree>
-    <p:extLst>
-      <p:ext uri="{BB962C8B-B14F-4D97-AF65-F5344CB8AC3E}">
-        <p14:creationId xmlns:p14="http://schemas.microsoft.com/office/powerpoint/2010/main" val="809969126"/>
-      </p:ext>
-    </p:extLst>
-  </p:cSld>
-  <p:clrMapOvr>
-    <a:masterClrMapping/>
-  </p:clrMapOvr>
-  <p:timing>
-    <p:tnLst>
-      <p:par>
-        <p:cTn id="1" dur="indefinite" restart="never" nodeType="tmRoot"/>
-      </p:par>
-    </p:tnLst>
-  </p:timing>
-</p:sld>
-</file>
-
-<file path=ppt/slides/slide14.xml><?xml version="1.0" encoding="utf-8"?>
-<p:sld xmlns:a="http://schemas.openxmlformats.org/drawingml/2006/main" xmlns:r="http://schemas.openxmlformats.org/officeDocument/2006/relationships" xmlns:p="http://schemas.openxmlformats.org/presentationml/2006/main">
-  <p:cSld>
-    <p:spTree>
-      <p:nvGrpSpPr>
-        <p:cNvPr id="1" name=""/>
-        <p:cNvGrpSpPr/>
-        <p:nvPr/>
-      </p:nvGrpSpPr>
-      <p:grpSpPr>
-        <a:xfrm>
-          <a:off x="0" y="0"/>
-          <a:ext cx="0" cy="0"/>
-          <a:chOff x="0" y="0"/>
-          <a:chExt cx="0" cy="0"/>
-        </a:xfrm>
-      </p:grpSpPr>
-      <p:sp>
-        <p:nvSpPr>
-          <p:cNvPr id="2" name="Title 1"/>
-          <p:cNvSpPr>
-            <a:spLocks noGrp="1"/>
-          </p:cNvSpPr>
-          <p:nvPr>
-            <p:ph type="title"/>
-          </p:nvPr>
-        </p:nvSpPr>
-        <p:spPr/>
-        <p:txBody>
-          <a:bodyPr/>
-          <a:lstStyle/>
-          <a:p>
-            <a:endParaRPr lang="en-US" dirty="0"/>
-          </a:p>
-        </p:txBody>
-      </p:sp>
-      <p:sp>
-        <p:nvSpPr>
-          <p:cNvPr id="3" name="Content Placeholder 2"/>
-          <p:cNvSpPr>
-            <a:spLocks noGrp="1"/>
-          </p:cNvSpPr>
-          <p:nvPr>
-            <p:ph idx="1"/>
-          </p:nvPr>
-        </p:nvSpPr>
-        <p:spPr>
-          <a:xfrm>
-            <a:off x="3128553" y="2767883"/>
-            <a:ext cx="3742509" cy="2084524"/>
-          </a:xfrm>
-        </p:spPr>
-        <p:txBody>
-          <a:bodyPr>
-            <a:normAutofit/>
-          </a:bodyPr>
-          <a:lstStyle/>
-          <a:p>
-            <a:pPr marL="0" indent="0">
-              <a:buNone/>
-            </a:pPr>
-            <a:r>
-              <a:rPr lang="ro-RO" sz="9600" dirty="0" smtClean="0">
-                <a:latin typeface="Times New Roman" panose="02020603050405020304" pitchFamily="18" charset="0"/>
-                <a:cs typeface="Times New Roman" panose="02020603050405020304" pitchFamily="18" charset="0"/>
-              </a:rPr>
-              <a:t>Demo</a:t>
-            </a:r>
-            <a:endParaRPr lang="en-US" sz="9600" dirty="0">
-              <a:latin typeface="Times New Roman" panose="02020603050405020304" pitchFamily="18" charset="0"/>
-              <a:cs typeface="Times New Roman" panose="02020603050405020304" pitchFamily="18" charset="0"/>
-            </a:endParaRPr>
-          </a:p>
-        </p:txBody>
-      </p:sp>
-      <p:pic>
-        <p:nvPicPr>
-          <p:cNvPr id="5" name="Picture 4"/>
-          <p:cNvPicPr>
-            <a:picLocks noChangeAspect="1"/>
-          </p:cNvPicPr>
-          <p:nvPr/>
-        </p:nvPicPr>
-        <p:blipFill>
-          <a:blip r:embed="rId2">
-            <a:extLst>
-              <a:ext uri="{28A0092B-C50C-407E-A947-70E740481C1C}">
-                <a14:useLocalDpi xmlns:a14="http://schemas.microsoft.com/office/drawing/2010/main" val="0"/>
-              </a:ext>
-            </a:extLst>
-          </a:blip>
-          <a:stretch>
-            <a:fillRect/>
-          </a:stretch>
-        </p:blipFill>
-        <p:spPr>
-          <a:xfrm>
-            <a:off x="6279332" y="2423603"/>
-            <a:ext cx="2141406" cy="2324301"/>
-          </a:xfrm>
-          <a:prstGeom prst="rect">
-            <a:avLst/>
-          </a:prstGeom>
-        </p:spPr>
-      </p:pic>
-    </p:spTree>
-    <p:extLst>
-      <p:ext uri="{BB962C8B-B14F-4D97-AF65-F5344CB8AC3E}">
-        <p14:creationId xmlns:p14="http://schemas.microsoft.com/office/powerpoint/2010/main" val="3398026248"/>
-      </p:ext>
-    </p:extLst>
-  </p:cSld>
-  <p:clrMapOvr>
-    <a:masterClrMapping/>
-  </p:clrMapOvr>
-  <p:timing>
-    <p:tnLst>
-      <p:par>
-        <p:cTn id="1" dur="indefinite" restart="never" nodeType="tmRoot"/>
-      </p:par>
-    </p:tnLst>
-  </p:timing>
-</p:sld>
-</file>
-
-<file path=ppt/slides/slide15.xml><?xml version="1.0" encoding="utf-8"?>
-<p:sld xmlns:a="http://schemas.openxmlformats.org/drawingml/2006/main" xmlns:r="http://schemas.openxmlformats.org/officeDocument/2006/relationships" xmlns:p="http://schemas.openxmlformats.org/presentationml/2006/main">
-  <p:cSld>
-    <p:spTree>
-      <p:nvGrpSpPr>
-        <p:cNvPr id="1" name=""/>
-        <p:cNvGrpSpPr/>
-        <p:nvPr/>
-      </p:nvGrpSpPr>
-      <p:grpSpPr>
-        <a:xfrm>
-          <a:off x="0" y="0"/>
-          <a:ext cx="0" cy="0"/>
-          <a:chOff x="0" y="0"/>
-          <a:chExt cx="0" cy="0"/>
-        </a:xfrm>
-      </p:grpSpPr>
-      <p:sp>
-        <p:nvSpPr>
-          <p:cNvPr id="2" name="Title 1"/>
-          <p:cNvSpPr>
-            <a:spLocks noGrp="1"/>
-          </p:cNvSpPr>
-          <p:nvPr>
-            <p:ph type="title"/>
-          </p:nvPr>
-        </p:nvSpPr>
-        <p:spPr/>
-        <p:txBody>
-          <a:bodyPr/>
-          <a:lstStyle/>
-          <a:p>
-            <a:pPr algn="ctr"/>
-            <a:r>
-              <a:rPr lang="ro-RO" dirty="0" smtClean="0">
-                <a:latin typeface="Times New Roman" panose="02020603050405020304" pitchFamily="18" charset="0"/>
-                <a:cs typeface="Times New Roman" panose="02020603050405020304" pitchFamily="18" charset="0"/>
-              </a:rPr>
-              <a:t>Concluzii și îmbunătățiri</a:t>
-            </a:r>
-            <a:endParaRPr lang="en-US" dirty="0">
-              <a:latin typeface="Times New Roman" panose="02020603050405020304" pitchFamily="18" charset="0"/>
-              <a:cs typeface="Times New Roman" panose="02020603050405020304" pitchFamily="18" charset="0"/>
-            </a:endParaRPr>
-          </a:p>
-        </p:txBody>
-      </p:sp>
-      <p:sp>
-        <p:nvSpPr>
-          <p:cNvPr id="3" name="Content Placeholder 2"/>
-          <p:cNvSpPr>
-            <a:spLocks noGrp="1"/>
-          </p:cNvSpPr>
-          <p:nvPr>
-            <p:ph idx="1"/>
-          </p:nvPr>
-        </p:nvSpPr>
-        <p:spPr>
-          <a:xfrm>
-            <a:off x="838200" y="2107475"/>
-            <a:ext cx="10515600" cy="4182699"/>
-          </a:xfrm>
-        </p:spPr>
-        <p:txBody>
-          <a:bodyPr>
-            <a:normAutofit/>
-          </a:bodyPr>
-          <a:lstStyle/>
-          <a:p>
-            <a:pPr algn="just"/>
-            <a:r>
-              <a:rPr lang="ro-RO" dirty="0" smtClean="0">
-                <a:latin typeface="Times New Roman" panose="02020603050405020304" pitchFamily="18" charset="0"/>
-                <a:cs typeface="Times New Roman" panose="02020603050405020304" pitchFamily="18" charset="0"/>
-              </a:rPr>
-              <a:t>Alegerea colegilor de cameră din orice loc cu access la internet</a:t>
-            </a:r>
-          </a:p>
-          <a:p>
-            <a:pPr algn="just"/>
-            <a:r>
-              <a:rPr lang="ro-RO" dirty="0" smtClean="0">
-                <a:latin typeface="Times New Roman" panose="02020603050405020304" pitchFamily="18" charset="0"/>
-                <a:cs typeface="Times New Roman" panose="02020603050405020304" pitchFamily="18" charset="0"/>
-              </a:rPr>
-              <a:t>Folosirea paginii de recenzii în cazul în care nu cunoști pe nimeni</a:t>
-            </a:r>
-          </a:p>
-          <a:p>
-            <a:pPr algn="just"/>
-            <a:r>
-              <a:rPr lang="ro-RO" dirty="0" smtClean="0">
-                <a:latin typeface="Times New Roman" panose="02020603050405020304" pitchFamily="18" charset="0"/>
-                <a:cs typeface="Times New Roman" panose="02020603050405020304" pitchFamily="18" charset="0"/>
-              </a:rPr>
-              <a:t>Îmbunătățiri:</a:t>
-            </a:r>
-          </a:p>
-          <a:p>
-            <a:pPr lvl="1" algn="just"/>
-            <a:r>
-              <a:rPr lang="ro-RO" dirty="0" smtClean="0">
-                <a:latin typeface="Times New Roman" panose="02020603050405020304" pitchFamily="18" charset="0"/>
-                <a:cs typeface="Times New Roman" panose="02020603050405020304" pitchFamily="18" charset="0"/>
-              </a:rPr>
-              <a:t>Optare pentru cămin prin intermediul aplicației</a:t>
-            </a:r>
-          </a:p>
-          <a:p>
-            <a:pPr lvl="1" algn="just"/>
-            <a:r>
-              <a:rPr lang="ro-RO" dirty="0" smtClean="0">
-                <a:latin typeface="Times New Roman" panose="02020603050405020304" pitchFamily="18" charset="0"/>
-                <a:cs typeface="Times New Roman" panose="02020603050405020304" pitchFamily="18" charset="0"/>
-              </a:rPr>
-              <a:t>Recomandarea studenților conform răspunsurilor dintr-un chestionar completat inițial</a:t>
-            </a:r>
-            <a:endParaRPr lang="en-US" dirty="0">
-              <a:latin typeface="Times New Roman" panose="02020603050405020304" pitchFamily="18" charset="0"/>
-              <a:cs typeface="Times New Roman" panose="02020603050405020304" pitchFamily="18" charset="0"/>
-            </a:endParaRPr>
-          </a:p>
-        </p:txBody>
-      </p:sp>
-    </p:spTree>
-    <p:extLst>
-      <p:ext uri="{BB962C8B-B14F-4D97-AF65-F5344CB8AC3E}">
-        <p14:creationId xmlns:p14="http://schemas.microsoft.com/office/powerpoint/2010/main" val="1449561328"/>
-      </p:ext>
-    </p:extLst>
-  </p:cSld>
-  <p:clrMapOvr>
-    <a:masterClrMapping/>
-  </p:clrMapOvr>
-  <p:timing>
-    <p:tnLst>
-      <p:par>
-        <p:cTn id="1" dur="indefinite" restart="never" nodeType="tmRoot"/>
-      </p:par>
-    </p:tnLst>
-  </p:timing>
-</p:sld>
-</file>
-
-<file path=ppt/slides/slide16.xml><?xml version="1.0" encoding="utf-8"?>
-<p:sld xmlns:a="http://schemas.openxmlformats.org/drawingml/2006/main" xmlns:r="http://schemas.openxmlformats.org/officeDocument/2006/relationships" xmlns:p="http://schemas.openxmlformats.org/presentationml/2006/main">
-  <p:cSld>
-    <p:spTree>
-      <p:nvGrpSpPr>
-        <p:cNvPr id="1" name=""/>
-        <p:cNvGrpSpPr/>
-        <p:nvPr/>
-      </p:nvGrpSpPr>
-      <p:grpSpPr>
-        <a:xfrm>
-          <a:off x="0" y="0"/>
-          <a:ext cx="0" cy="0"/>
-          <a:chOff x="0" y="0"/>
-          <a:chExt cx="0" cy="0"/>
-        </a:xfrm>
-      </p:grpSpPr>
-      <p:sp>
-        <p:nvSpPr>
-          <p:cNvPr id="2" name="Title 1"/>
-          <p:cNvSpPr>
-            <a:spLocks noGrp="1"/>
-          </p:cNvSpPr>
-          <p:nvPr>
-            <p:ph type="title"/>
-          </p:nvPr>
-        </p:nvSpPr>
-        <p:spPr/>
-        <p:txBody>
-          <a:bodyPr/>
-          <a:lstStyle/>
-          <a:p>
-            <a:r>
-              <a:rPr lang="ro-RO" dirty="0" smtClean="0"/>
-              <a:t>Linkuri pentru imaginile utilizate</a:t>
-            </a:r>
-            <a:endParaRPr lang="en-US" dirty="0"/>
-          </a:p>
-        </p:txBody>
-      </p:sp>
-      <p:sp>
-        <p:nvSpPr>
-          <p:cNvPr id="5" name="Content Placeholder 4"/>
-          <p:cNvSpPr>
-            <a:spLocks noGrp="1"/>
-          </p:cNvSpPr>
-          <p:nvPr>
-            <p:ph idx="1"/>
-          </p:nvPr>
-        </p:nvSpPr>
-        <p:spPr/>
-        <p:txBody>
-          <a:bodyPr/>
-          <a:lstStyle/>
-          <a:p>
-            <a:r>
-              <a:rPr lang="en-US" dirty="0" smtClean="0">
-                <a:hlinkClick r:id="rId2"/>
-              </a:rPr>
-              <a:t>https://medium.com/covenant-university-developers-community/html-css-and-javascript-as-fast-as-possible-e92af1350a3b</a:t>
-            </a:r>
-            <a:endParaRPr lang="ro-RO" dirty="0" smtClean="0"/>
-          </a:p>
-          <a:p>
-            <a:r>
-              <a:rPr lang="ro-RO" dirty="0" smtClean="0">
-                <a:hlinkClick r:id="rId3"/>
-              </a:rPr>
-              <a:t>https://www.djangoproject.com/community/logos/</a:t>
-            </a:r>
-            <a:endParaRPr lang="ro-RO" dirty="0" smtClean="0"/>
-          </a:p>
-          <a:p>
-            <a:r>
-              <a:rPr lang="ro-RO" dirty="0" smtClean="0">
-                <a:hlinkClick r:id="rId4"/>
-              </a:rPr>
-              <a:t>https://freebiesupply.com/logos/mysql-logo/</a:t>
-            </a:r>
-            <a:endParaRPr lang="ro-RO" dirty="0" smtClean="0"/>
-          </a:p>
-          <a:p>
-            <a:r>
-              <a:rPr lang="ro-RO" dirty="0" smtClean="0">
-                <a:hlinkClick r:id="rId5"/>
-              </a:rPr>
-              <a:t>https://www.python.org/community/logos/</a:t>
-            </a:r>
-            <a:endParaRPr lang="ro-RO" dirty="0" smtClean="0"/>
-          </a:p>
-          <a:p>
-            <a:endParaRPr lang="ro-RO" dirty="0" smtClean="0"/>
-          </a:p>
-          <a:p>
-            <a:endParaRPr lang="ro-RO" dirty="0" smtClean="0"/>
-          </a:p>
-          <a:p>
-            <a:endParaRPr lang="ro-RO" dirty="0" smtClean="0"/>
-          </a:p>
-          <a:p>
-            <a:endParaRPr lang="en-US" dirty="0"/>
-          </a:p>
-        </p:txBody>
-      </p:sp>
-    </p:spTree>
-    <p:extLst>
-      <p:ext uri="{BB962C8B-B14F-4D97-AF65-F5344CB8AC3E}">
-        <p14:creationId xmlns:p14="http://schemas.microsoft.com/office/powerpoint/2010/main" val="3900609349"/>
-      </p:ext>
-    </p:extLst>
-  </p:cSld>
-  <p:clrMapOvr>
-    <a:masterClrMapping/>
-  </p:clrMapOvr>
-  <p:timing>
-    <p:tnLst>
-      <p:par>
-        <p:cTn id="1" dur="indefinite" restart="never" nodeType="tmRoot"/>
-      </p:par>
-    </p:tnLst>
-  </p:timing>
-</p:sld>
-</file>
-
-<file path=ppt/slides/slide2.xml><?xml version="1.0" encoding="utf-8"?>
-<p:sld xmlns:a="http://schemas.openxmlformats.org/drawingml/2006/main" xmlns:r="http://schemas.openxmlformats.org/officeDocument/2006/relationships" xmlns:p="http://schemas.openxmlformats.org/presentationml/2006/main">
-  <p:cSld>
-    <p:spTree>
-      <p:nvGrpSpPr>
-        <p:cNvPr id="1" name=""/>
-        <p:cNvGrpSpPr/>
-        <p:nvPr/>
-      </p:nvGrpSpPr>
-      <p:grpSpPr>
-        <a:xfrm>
-          <a:off x="0" y="0"/>
-          <a:ext cx="0" cy="0"/>
-          <a:chOff x="0" y="0"/>
-          <a:chExt cx="0" cy="0"/>
-        </a:xfrm>
-      </p:grpSpPr>
-      <p:sp>
-        <p:nvSpPr>
-          <p:cNvPr id="2" name="Title 1"/>
-          <p:cNvSpPr>
-            <a:spLocks noGrp="1"/>
-          </p:cNvSpPr>
-          <p:nvPr>
-            <p:ph type="title"/>
-          </p:nvPr>
-        </p:nvSpPr>
-        <p:spPr/>
-        <p:txBody>
-          <a:bodyPr/>
-          <a:lstStyle/>
-          <a:p>
-            <a:pPr algn="ctr"/>
-            <a:r>
-              <a:rPr lang="ro-RO" dirty="0" smtClean="0">
-                <a:latin typeface="Times New Roman" panose="02020603050405020304" pitchFamily="18" charset="0"/>
-                <a:cs typeface="Times New Roman" panose="02020603050405020304" pitchFamily="18" charset="0"/>
-              </a:rPr>
-              <a:t>Cuprins</a:t>
-            </a:r>
-            <a:endParaRPr lang="en-US" dirty="0">
-              <a:latin typeface="Times New Roman" panose="02020603050405020304" pitchFamily="18" charset="0"/>
-              <a:cs typeface="Times New Roman" panose="02020603050405020304" pitchFamily="18" charset="0"/>
-            </a:endParaRPr>
-          </a:p>
-        </p:txBody>
-      </p:sp>
-      <p:sp>
-        <p:nvSpPr>
-          <p:cNvPr id="3" name="Content Placeholder 2"/>
-          <p:cNvSpPr>
-            <a:spLocks noGrp="1"/>
-          </p:cNvSpPr>
-          <p:nvPr>
-            <p:ph idx="1"/>
-          </p:nvPr>
-        </p:nvSpPr>
-        <p:spPr>
-          <a:xfrm>
-            <a:off x="1230085" y="1834334"/>
-            <a:ext cx="10515600" cy="4351338"/>
-          </a:xfrm>
-        </p:spPr>
-        <p:txBody>
-          <a:bodyPr>
-            <a:normAutofit/>
-          </a:bodyPr>
-          <a:lstStyle/>
-          <a:p>
-            <a:r>
-              <a:rPr lang="ro-RO" sz="3600" dirty="0" smtClean="0">
-                <a:latin typeface="Times New Roman" panose="02020603050405020304" pitchFamily="18" charset="0"/>
-                <a:cs typeface="Times New Roman" panose="02020603050405020304" pitchFamily="18" charset="0"/>
-              </a:rPr>
-              <a:t>Formularea problemei</a:t>
-            </a:r>
-          </a:p>
-          <a:p>
-            <a:r>
-              <a:rPr lang="ro-RO" sz="3600" dirty="0" smtClean="0">
-                <a:latin typeface="Times New Roman" panose="02020603050405020304" pitchFamily="18" charset="0"/>
-                <a:cs typeface="Times New Roman" panose="02020603050405020304" pitchFamily="18" charset="0"/>
-              </a:rPr>
-              <a:t>Soluția</a:t>
-            </a:r>
-          </a:p>
-          <a:p>
-            <a:r>
-              <a:rPr lang="ro-RO" sz="3600" dirty="0" smtClean="0">
-                <a:latin typeface="Times New Roman" panose="02020603050405020304" pitchFamily="18" charset="0"/>
-                <a:cs typeface="Times New Roman" panose="02020603050405020304" pitchFamily="18" charset="0"/>
-              </a:rPr>
-              <a:t>Prezentarea aplicației</a:t>
-            </a:r>
-          </a:p>
-          <a:p>
-            <a:r>
-              <a:rPr lang="ro-RO" sz="3600" dirty="0" smtClean="0">
-                <a:latin typeface="Times New Roman" panose="02020603050405020304" pitchFamily="18" charset="0"/>
-                <a:cs typeface="Times New Roman" panose="02020603050405020304" pitchFamily="18" charset="0"/>
-              </a:rPr>
-              <a:t>Demo</a:t>
-            </a:r>
-          </a:p>
-          <a:p>
-            <a:r>
-              <a:rPr lang="ro-RO" sz="3600" dirty="0" smtClean="0">
-                <a:latin typeface="Times New Roman" panose="02020603050405020304" pitchFamily="18" charset="0"/>
-                <a:cs typeface="Times New Roman" panose="02020603050405020304" pitchFamily="18" charset="0"/>
-              </a:rPr>
-              <a:t>Concluzii</a:t>
-            </a:r>
-            <a:endParaRPr lang="en-US" sz="3600" dirty="0">
-              <a:latin typeface="Times New Roman" panose="02020603050405020304" pitchFamily="18" charset="0"/>
-              <a:cs typeface="Times New Roman" panose="02020603050405020304" pitchFamily="18" charset="0"/>
-            </a:endParaRPr>
-          </a:p>
-        </p:txBody>
-      </p:sp>
-    </p:spTree>
-    <p:extLst>
-      <p:ext uri="{BB962C8B-B14F-4D97-AF65-F5344CB8AC3E}">
-        <p14:creationId xmlns:p14="http://schemas.microsoft.com/office/powerpoint/2010/main" val="815869409"/>
-      </p:ext>
-    </p:extLst>
-  </p:cSld>
-  <p:clrMapOvr>
-    <a:masterClrMapping/>
-  </p:clrMapOvr>
-  <p:timing>
-    <p:tnLst>
-      <p:par>
-        <p:cTn id="1" dur="indefinite" restart="never" nodeType="tmRoot"/>
-      </p:par>
-    </p:tnLst>
-  </p:timing>
-</p:sld>
-</file>
-
-<file path=ppt/slides/slide3.xml><?xml version="1.0" encoding="utf-8"?>
-<p:sld xmlns:a="http://schemas.openxmlformats.org/drawingml/2006/main" xmlns:r="http://schemas.openxmlformats.org/officeDocument/2006/relationships" xmlns:p="http://schemas.openxmlformats.org/presentationml/2006/main">
-  <p:cSld>
-    <p:spTree>
-      <p:nvGrpSpPr>
-        <p:cNvPr id="1" name=""/>
-        <p:cNvGrpSpPr/>
-        <p:nvPr/>
-      </p:nvGrpSpPr>
-      <p:grpSpPr>
-        <a:xfrm>
-          <a:off x="0" y="0"/>
-          <a:ext cx="0" cy="0"/>
-          <a:chOff x="0" y="0"/>
-          <a:chExt cx="0" cy="0"/>
-        </a:xfrm>
-      </p:grpSpPr>
-      <p:sp>
-        <p:nvSpPr>
-          <p:cNvPr id="2" name="Title 1"/>
-          <p:cNvSpPr>
-            <a:spLocks noGrp="1"/>
-          </p:cNvSpPr>
-          <p:nvPr>
-            <p:ph type="title"/>
-          </p:nvPr>
-        </p:nvSpPr>
-        <p:spPr/>
-        <p:txBody>
-          <a:bodyPr/>
-          <a:lstStyle/>
-          <a:p>
-            <a:pPr algn="ctr"/>
-            <a:r>
-              <a:rPr lang="ro-RO" dirty="0" smtClean="0">
-                <a:latin typeface="Times New Roman" panose="02020603050405020304" pitchFamily="18" charset="0"/>
-                <a:cs typeface="Times New Roman" panose="02020603050405020304" pitchFamily="18" charset="0"/>
-              </a:rPr>
-              <a:t>Formularea problemei</a:t>
-            </a:r>
-            <a:endParaRPr lang="en-US" dirty="0">
-              <a:latin typeface="Times New Roman" panose="02020603050405020304" pitchFamily="18" charset="0"/>
-              <a:cs typeface="Times New Roman" panose="02020603050405020304" pitchFamily="18" charset="0"/>
-            </a:endParaRPr>
-          </a:p>
-        </p:txBody>
-      </p:sp>
-      <p:sp>
-        <p:nvSpPr>
-          <p:cNvPr id="3" name="Content Placeholder 2"/>
-          <p:cNvSpPr>
-            <a:spLocks noGrp="1"/>
-          </p:cNvSpPr>
-          <p:nvPr>
-            <p:ph idx="1"/>
-          </p:nvPr>
-        </p:nvSpPr>
-        <p:spPr>
-          <a:xfrm>
-            <a:off x="838200" y="2200093"/>
-            <a:ext cx="10515600" cy="4351338"/>
-          </a:xfrm>
-        </p:spPr>
-        <p:txBody>
-          <a:bodyPr numCol="1">
-            <a:normAutofit/>
-          </a:bodyPr>
-          <a:lstStyle/>
-          <a:p>
-            <a:pPr marL="0" indent="0">
-              <a:buNone/>
-            </a:pPr>
-            <a:r>
-              <a:rPr lang="ro-RO" sz="3200" dirty="0" smtClean="0">
-                <a:latin typeface="Times New Roman" panose="02020603050405020304" pitchFamily="18" charset="0"/>
-                <a:cs typeface="Times New Roman" panose="02020603050405020304" pitchFamily="18" charset="0"/>
-              </a:rPr>
-              <a:t>În momentul de față</a:t>
-            </a:r>
-          </a:p>
-          <a:p>
-            <a:pPr lvl="1"/>
-            <a:r>
-              <a:rPr lang="ro-RO" sz="3200" dirty="0" smtClean="0">
-                <a:latin typeface="Times New Roman" panose="02020603050405020304" pitchFamily="18" charset="0"/>
-                <a:cs typeface="Times New Roman" panose="02020603050405020304" pitchFamily="18" charset="0"/>
-              </a:rPr>
-              <a:t>Sincronizarea cu viitorii colegi de cameră</a:t>
-            </a:r>
-          </a:p>
-          <a:p>
-            <a:pPr lvl="1"/>
-            <a:r>
-              <a:rPr lang="ro-RO" sz="3200" dirty="0" smtClean="0">
-                <a:latin typeface="Times New Roman" panose="02020603050405020304" pitchFamily="18" charset="0"/>
-                <a:cs typeface="Times New Roman" panose="02020603050405020304" pitchFamily="18" charset="0"/>
-              </a:rPr>
-              <a:t>Aglomerație</a:t>
-            </a:r>
-            <a:endParaRPr lang="ro-RO" sz="3200" dirty="0" smtClean="0">
-              <a:latin typeface="Times New Roman" panose="02020603050405020304" pitchFamily="18" charset="0"/>
-              <a:cs typeface="Times New Roman" panose="02020603050405020304" pitchFamily="18" charset="0"/>
-            </a:endParaRPr>
-          </a:p>
-          <a:p>
-            <a:pPr lvl="1"/>
-            <a:r>
-              <a:rPr lang="ro-RO" sz="3200" dirty="0" smtClean="0">
-                <a:latin typeface="Times New Roman" panose="02020603050405020304" pitchFamily="18" charset="0"/>
-                <a:cs typeface="Times New Roman" panose="02020603050405020304" pitchFamily="18" charset="0"/>
-              </a:rPr>
-              <a:t>Necesitatea personalului/voluntarilor din cadrul facultății</a:t>
-            </a:r>
-          </a:p>
-          <a:p>
-            <a:pPr lvl="1"/>
-            <a:r>
-              <a:rPr lang="ro-RO" sz="3200" dirty="0" smtClean="0">
-                <a:latin typeface="Times New Roman" panose="02020603050405020304" pitchFamily="18" charset="0"/>
-                <a:cs typeface="Times New Roman" panose="02020603050405020304" pitchFamily="18" charset="0"/>
-              </a:rPr>
-              <a:t>Completarea numeroaselor formulare</a:t>
-            </a:r>
-          </a:p>
-          <a:p>
-            <a:pPr marL="457200" lvl="1" indent="0">
-              <a:buNone/>
-            </a:pPr>
-            <a:endParaRPr lang="ro-RO" sz="3200" dirty="0" smtClean="0"/>
-          </a:p>
-        </p:txBody>
-      </p:sp>
-    </p:spTree>
-    <p:extLst>
-      <p:ext uri="{BB962C8B-B14F-4D97-AF65-F5344CB8AC3E}">
-        <p14:creationId xmlns:p14="http://schemas.microsoft.com/office/powerpoint/2010/main" val="1268625211"/>
-      </p:ext>
-    </p:extLst>
-  </p:cSld>
-  <p:clrMapOvr>
-    <a:masterClrMapping/>
-  </p:clrMapOvr>
-  <p:timing>
-    <p:tnLst>
-      <p:par>
-        <p:cTn id="1" dur="indefinite" restart="never" nodeType="tmRoot"/>
-      </p:par>
-    </p:tnLst>
-  </p:timing>
-</p:sld>
-</file>
-
-<file path=ppt/slides/slide4.xml><?xml version="1.0" encoding="utf-8"?>
-<p:sld xmlns:a="http://schemas.openxmlformats.org/drawingml/2006/main" xmlns:r="http://schemas.openxmlformats.org/officeDocument/2006/relationships" xmlns:p="http://schemas.openxmlformats.org/presentationml/2006/main">
-  <p:cSld>
-    <p:spTree>
-      <p:nvGrpSpPr>
-        <p:cNvPr id="1" name=""/>
-        <p:cNvGrpSpPr/>
-        <p:nvPr/>
-      </p:nvGrpSpPr>
-      <p:grpSpPr>
-        <a:xfrm>
-          <a:off x="0" y="0"/>
-          <a:ext cx="0" cy="0"/>
-          <a:chOff x="0" y="0"/>
-          <a:chExt cx="0" cy="0"/>
-        </a:xfrm>
-      </p:grpSpPr>
-      <p:sp>
-        <p:nvSpPr>
-          <p:cNvPr id="2" name="Title 1"/>
-          <p:cNvSpPr>
-            <a:spLocks noGrp="1"/>
-          </p:cNvSpPr>
-          <p:nvPr>
-            <p:ph type="title"/>
-          </p:nvPr>
-        </p:nvSpPr>
-        <p:spPr/>
-        <p:txBody>
-          <a:bodyPr>
-            <a:normAutofit/>
-          </a:bodyPr>
-          <a:lstStyle/>
-          <a:p>
-            <a:pPr algn="ctr"/>
-            <a:r>
-              <a:rPr lang="ro-RO" dirty="0" smtClean="0">
-                <a:latin typeface="Times New Roman" panose="02020603050405020304" pitchFamily="18" charset="0"/>
-                <a:cs typeface="Times New Roman" panose="02020603050405020304" pitchFamily="18" charset="0"/>
-              </a:rPr>
-              <a:t>Soluția</a:t>
-            </a:r>
-            <a:endParaRPr lang="en-US" dirty="0">
-              <a:latin typeface="Times New Roman" panose="02020603050405020304" pitchFamily="18" charset="0"/>
-              <a:cs typeface="Times New Roman" panose="02020603050405020304" pitchFamily="18" charset="0"/>
-            </a:endParaRPr>
-          </a:p>
-        </p:txBody>
-      </p:sp>
-      <p:pic>
-        <p:nvPicPr>
-          <p:cNvPr id="4" name="Content Placeholder 3"/>
-          <p:cNvPicPr>
-            <a:picLocks noGrp="1" noChangeAspect="1"/>
-          </p:cNvPicPr>
-          <p:nvPr>
-            <p:ph sz="half" idx="2"/>
-          </p:nvPr>
-        </p:nvPicPr>
-        <p:blipFill>
-          <a:blip r:embed="rId2">
-            <a:extLst>
-              <a:ext uri="{28A0092B-C50C-407E-A947-70E740481C1C}">
-                <a14:useLocalDpi xmlns:a14="http://schemas.microsoft.com/office/drawing/2010/main" val="0"/>
-              </a:ext>
-            </a:extLst>
-          </a:blip>
-          <a:stretch>
-            <a:fillRect/>
-          </a:stretch>
-        </p:blipFill>
-        <p:spPr>
-          <a:xfrm>
-            <a:off x="7197318" y="1731237"/>
-            <a:ext cx="3721174" cy="3472375"/>
-          </a:xfrm>
-        </p:spPr>
-      </p:pic>
-      <p:sp>
-        <p:nvSpPr>
-          <p:cNvPr id="8" name="Content Placeholder 7"/>
-          <p:cNvSpPr>
-            <a:spLocks noGrp="1"/>
-          </p:cNvSpPr>
-          <p:nvPr>
-            <p:ph sz="quarter" idx="4"/>
-          </p:nvPr>
-        </p:nvSpPr>
-        <p:spPr>
-          <a:xfrm>
-            <a:off x="746759" y="2731118"/>
-            <a:ext cx="5976258" cy="3869979"/>
-          </a:xfrm>
-        </p:spPr>
-        <p:txBody>
-          <a:bodyPr/>
-          <a:lstStyle/>
-          <a:p>
-            <a:pPr marL="0" indent="0" algn="just">
-              <a:buNone/>
-            </a:pPr>
-            <a:r>
-              <a:rPr lang="ro-RO" dirty="0" smtClean="0">
-                <a:latin typeface="Times New Roman" panose="02020603050405020304" pitchFamily="18" charset="0"/>
-                <a:cs typeface="Times New Roman" panose="02020603050405020304" pitchFamily="18" charset="0"/>
-              </a:rPr>
-              <a:t>O aplicație online prin intermediul căreia să îți alegi colegii de cameră</a:t>
-            </a:r>
-          </a:p>
-          <a:p>
-            <a:pPr marL="0" indent="0" algn="just">
-              <a:buNone/>
-            </a:pPr>
-            <a:r>
-              <a:rPr lang="ro-RO" dirty="0" smtClean="0">
-                <a:latin typeface="Times New Roman" panose="02020603050405020304" pitchFamily="18" charset="0"/>
-                <a:cs typeface="Times New Roman" panose="02020603050405020304" pitchFamily="18" charset="0"/>
-              </a:rPr>
-              <a:t>... sau care să te ajute să îi găsești?</a:t>
-            </a:r>
-          </a:p>
-          <a:p>
-            <a:pPr lvl="1"/>
-            <a:endParaRPr lang="en-US" dirty="0"/>
-          </a:p>
-        </p:txBody>
-      </p:sp>
-    </p:spTree>
-    <p:extLst>
-      <p:ext uri="{BB962C8B-B14F-4D97-AF65-F5344CB8AC3E}">
-        <p14:creationId xmlns:p14="http://schemas.microsoft.com/office/powerpoint/2010/main" val="2813573546"/>
-      </p:ext>
-    </p:extLst>
-  </p:cSld>
-  <p:clrMapOvr>
-    <a:masterClrMapping/>
-  </p:clrMapOvr>
-  <p:timing>
-    <p:tnLst>
-      <p:par>
-        <p:cTn id="1" dur="indefinite" restart="never" nodeType="tmRoot"/>
-      </p:par>
-    </p:tnLst>
-  </p:timing>
-</p:sld>
-</file>
-
-<file path=ppt/slides/slide5.xml><?xml version="1.0" encoding="utf-8"?>
-<p:sld xmlns:a="http://schemas.openxmlformats.org/drawingml/2006/main" xmlns:r="http://schemas.openxmlformats.org/officeDocument/2006/relationships" xmlns:p="http://schemas.openxmlformats.org/presentationml/2006/main">
-  <p:cSld>
-    <p:spTree>
-      <p:nvGrpSpPr>
-        <p:cNvPr id="1" name=""/>
-        <p:cNvGrpSpPr/>
-        <p:nvPr/>
-      </p:nvGrpSpPr>
-      <p:grpSpPr>
-        <a:xfrm>
-          <a:off x="0" y="0"/>
-          <a:ext cx="0" cy="0"/>
-          <a:chOff x="0" y="0"/>
-          <a:chExt cx="0" cy="0"/>
-        </a:xfrm>
-      </p:grpSpPr>
-      <p:sp>
-        <p:nvSpPr>
-          <p:cNvPr id="2" name="Title 1"/>
-          <p:cNvSpPr>
-            <a:spLocks noGrp="1"/>
-          </p:cNvSpPr>
-          <p:nvPr>
-            <p:ph type="title"/>
-          </p:nvPr>
-        </p:nvSpPr>
-        <p:spPr>
-          <a:xfrm>
-            <a:off x="838200" y="365125"/>
-            <a:ext cx="10515600" cy="1542052"/>
-          </a:xfrm>
-        </p:spPr>
-        <p:txBody>
-          <a:bodyPr/>
-          <a:lstStyle/>
-          <a:p>
-            <a:pPr algn="ctr"/>
-            <a:r>
-              <a:rPr lang="ro-RO" dirty="0" smtClean="0">
-                <a:latin typeface="Times New Roman" panose="02020603050405020304" pitchFamily="18" charset="0"/>
-                <a:cs typeface="Times New Roman" panose="02020603050405020304" pitchFamily="18" charset="0"/>
-              </a:rPr>
-              <a:t>Prezentarea aplicației</a:t>
-            </a:r>
-            <a:r>
-              <a:rPr lang="ro-RO" dirty="0">
-                <a:latin typeface="Times New Roman" panose="02020603050405020304" pitchFamily="18" charset="0"/>
-                <a:cs typeface="Times New Roman" panose="02020603050405020304" pitchFamily="18" charset="0"/>
-              </a:rPr>
-              <a:t/>
-            </a:r>
-            <a:br>
-              <a:rPr lang="ro-RO" dirty="0">
-                <a:latin typeface="Times New Roman" panose="02020603050405020304" pitchFamily="18" charset="0"/>
-                <a:cs typeface="Times New Roman" panose="02020603050405020304" pitchFamily="18" charset="0"/>
-              </a:rPr>
-            </a:br>
-            <a:r>
-              <a:rPr lang="ro-RO" sz="3600" dirty="0" smtClean="0">
-                <a:latin typeface="Times New Roman" panose="02020603050405020304" pitchFamily="18" charset="0"/>
-                <a:cs typeface="Times New Roman" panose="02020603050405020304" pitchFamily="18" charset="0"/>
-              </a:rPr>
-              <a:t>Modul user</a:t>
-            </a:r>
-            <a:endParaRPr lang="en-US" sz="3600" dirty="0">
-              <a:latin typeface="Times New Roman" panose="02020603050405020304" pitchFamily="18" charset="0"/>
-              <a:cs typeface="Times New Roman" panose="02020603050405020304" pitchFamily="18" charset="0"/>
-            </a:endParaRPr>
-          </a:p>
-        </p:txBody>
-      </p:sp>
-      <p:pic>
-        <p:nvPicPr>
-          <p:cNvPr id="10" name="Content Placeholder 9"/>
-          <p:cNvPicPr>
-            <a:picLocks noGrp="1" noChangeAspect="1"/>
-          </p:cNvPicPr>
-          <p:nvPr>
-            <p:ph sz="half" idx="1"/>
-          </p:nvPr>
-        </p:nvPicPr>
-        <p:blipFill>
-          <a:blip r:embed="rId2">
-            <a:extLst>
-              <a:ext uri="{28A0092B-C50C-407E-A947-70E740481C1C}">
-                <a14:useLocalDpi xmlns:a14="http://schemas.microsoft.com/office/drawing/2010/main" val="0"/>
-              </a:ext>
-            </a:extLst>
-          </a:blip>
-          <a:stretch>
-            <a:fillRect/>
-          </a:stretch>
-        </p:blipFill>
-        <p:spPr>
-          <a:xfrm>
-            <a:off x="5928360" y="2217510"/>
-            <a:ext cx="5864482" cy="2755084"/>
-          </a:xfrm>
-        </p:spPr>
-      </p:pic>
-      <p:sp>
-        <p:nvSpPr>
-          <p:cNvPr id="9" name="Content Placeholder 8"/>
-          <p:cNvSpPr>
-            <a:spLocks noGrp="1"/>
-          </p:cNvSpPr>
-          <p:nvPr>
-            <p:ph sz="half" idx="2"/>
-          </p:nvPr>
-        </p:nvSpPr>
-        <p:spPr>
-          <a:xfrm>
-            <a:off x="468086" y="2827109"/>
-            <a:ext cx="5747657" cy="3120844"/>
-          </a:xfrm>
-        </p:spPr>
-        <p:txBody>
-          <a:bodyPr/>
-          <a:lstStyle/>
-          <a:p>
-            <a:pPr marL="0" indent="0">
-              <a:buNone/>
-            </a:pPr>
-            <a:r>
-              <a:rPr lang="ro-RO" dirty="0" smtClean="0">
-                <a:latin typeface="Times New Roman" panose="02020603050405020304" pitchFamily="18" charset="0"/>
-                <a:cs typeface="Times New Roman" panose="02020603050405020304" pitchFamily="18" charset="0"/>
-              </a:rPr>
-              <a:t>Pagina principală conține informații despre căminele universității și localizarea acestora.</a:t>
-            </a:r>
-          </a:p>
-          <a:p>
-            <a:pPr marL="0" indent="0">
-              <a:buNone/>
-            </a:pPr>
-            <a:endParaRPr lang="en-US" dirty="0"/>
-          </a:p>
-        </p:txBody>
-      </p:sp>
-    </p:spTree>
-    <p:extLst>
-      <p:ext uri="{BB962C8B-B14F-4D97-AF65-F5344CB8AC3E}">
-        <p14:creationId xmlns:p14="http://schemas.microsoft.com/office/powerpoint/2010/main" val="3548868203"/>
-      </p:ext>
-    </p:extLst>
-  </p:cSld>
-  <p:clrMapOvr>
-    <a:masterClrMapping/>
-  </p:clrMapOvr>
-  <p:timing>
-    <p:tnLst>
-      <p:par>
-        <p:cTn id="1" dur="indefinite" restart="never" nodeType="tmRoot"/>
-      </p:par>
-    </p:tnLst>
-  </p:timing>
-</p:sld>
-</file>
-
-<file path=ppt/slides/slide6.xml><?xml version="1.0" encoding="utf-8"?>
-<p:sld xmlns:a="http://schemas.openxmlformats.org/drawingml/2006/main" xmlns:r="http://schemas.openxmlformats.org/officeDocument/2006/relationships" xmlns:p="http://schemas.openxmlformats.org/presentationml/2006/main">
-  <p:cSld>
-    <p:spTree>
-      <p:nvGrpSpPr>
-        <p:cNvPr id="1" name=""/>
-        <p:cNvGrpSpPr/>
-        <p:nvPr/>
-      </p:nvGrpSpPr>
-      <p:grpSpPr>
-        <a:xfrm>
-          <a:off x="0" y="0"/>
-          <a:ext cx="0" cy="0"/>
-          <a:chOff x="0" y="0"/>
-          <a:chExt cx="0" cy="0"/>
-        </a:xfrm>
-      </p:grpSpPr>
-      <p:sp>
-        <p:nvSpPr>
-          <p:cNvPr id="9" name="Title 8"/>
-          <p:cNvSpPr>
-            <a:spLocks noGrp="1"/>
-          </p:cNvSpPr>
-          <p:nvPr>
-            <p:ph type="title"/>
-          </p:nvPr>
-        </p:nvSpPr>
-        <p:spPr>
-          <a:xfrm>
-            <a:off x="829492" y="626382"/>
-            <a:ext cx="10515600" cy="958577"/>
-          </a:xfrm>
-        </p:spPr>
-        <p:txBody>
-          <a:bodyPr>
-            <a:normAutofit/>
-          </a:bodyPr>
-          <a:lstStyle/>
-          <a:p>
-            <a:pPr algn="ctr"/>
-            <a:r>
-              <a:rPr lang="ro-RO" dirty="0" smtClean="0">
-                <a:latin typeface="Times New Roman" panose="02020603050405020304" pitchFamily="18" charset="0"/>
-                <a:cs typeface="Times New Roman" panose="02020603050405020304" pitchFamily="18" charset="0"/>
-              </a:rPr>
-              <a:t>Profil</a:t>
-            </a:r>
-            <a:endParaRPr lang="en-US" dirty="0">
-              <a:latin typeface="Times New Roman" panose="02020603050405020304" pitchFamily="18" charset="0"/>
-              <a:cs typeface="Times New Roman" panose="02020603050405020304" pitchFamily="18" charset="0"/>
-            </a:endParaRPr>
-          </a:p>
-        </p:txBody>
-      </p:sp>
-      <p:sp>
-        <p:nvSpPr>
-          <p:cNvPr id="11" name="Content Placeholder 10"/>
-          <p:cNvSpPr>
-            <a:spLocks noGrp="1"/>
-          </p:cNvSpPr>
-          <p:nvPr>
-            <p:ph sz="half" idx="2"/>
-          </p:nvPr>
-        </p:nvSpPr>
-        <p:spPr>
-          <a:xfrm>
-            <a:off x="555170" y="2078174"/>
-            <a:ext cx="5399314" cy="4351338"/>
-          </a:xfrm>
-        </p:spPr>
-        <p:txBody>
-          <a:bodyPr/>
-          <a:lstStyle/>
-          <a:p>
-            <a:pPr algn="just"/>
-            <a:r>
-              <a:rPr lang="ro-RO" dirty="0" smtClean="0">
-                <a:latin typeface="Times New Roman" panose="02020603050405020304" pitchFamily="18" charset="0"/>
-                <a:cs typeface="Times New Roman" panose="02020603050405020304" pitchFamily="18" charset="0"/>
-              </a:rPr>
-              <a:t>Înștiințarea dacă ai primit sau nu loc la cămin</a:t>
-            </a:r>
-          </a:p>
-          <a:p>
-            <a:pPr algn="just"/>
-            <a:r>
-              <a:rPr lang="ro-RO" dirty="0" smtClean="0">
-                <a:latin typeface="Times New Roman" panose="02020603050405020304" pitchFamily="18" charset="0"/>
-                <a:cs typeface="Times New Roman" panose="02020603050405020304" pitchFamily="18" charset="0"/>
-              </a:rPr>
-              <a:t>Alegerea colegilor cu care vrei să stai în cameră</a:t>
-            </a:r>
-          </a:p>
-          <a:p>
-            <a:pPr algn="just"/>
-            <a:r>
-              <a:rPr lang="ro-RO" dirty="0" smtClean="0">
-                <a:latin typeface="Times New Roman" panose="02020603050405020304" pitchFamily="18" charset="0"/>
-                <a:cs typeface="Times New Roman" panose="02020603050405020304" pitchFamily="18" charset="0"/>
-              </a:rPr>
-              <a:t>Afișarea colegilor de cameră</a:t>
-            </a:r>
-          </a:p>
-          <a:p>
-            <a:pPr algn="just"/>
-            <a:r>
-              <a:rPr lang="ro-RO" dirty="0" smtClean="0">
-                <a:latin typeface="Times New Roman" panose="02020603050405020304" pitchFamily="18" charset="0"/>
-                <a:cs typeface="Times New Roman" panose="02020603050405020304" pitchFamily="18" charset="0"/>
-              </a:rPr>
-              <a:t>Posibilitatea de a vedea anunțurile postate de administrator</a:t>
-            </a:r>
-          </a:p>
-          <a:p>
-            <a:endParaRPr lang="en-US" dirty="0"/>
-          </a:p>
-        </p:txBody>
-      </p:sp>
-      <p:pic>
-        <p:nvPicPr>
-          <p:cNvPr id="16" name="Content Placeholder 15"/>
-          <p:cNvPicPr>
-            <a:picLocks noGrp="1" noChangeAspect="1"/>
-          </p:cNvPicPr>
-          <p:nvPr>
-            <p:ph sz="half" idx="1"/>
-          </p:nvPr>
-        </p:nvPicPr>
-        <p:blipFill>
-          <a:blip r:embed="rId2">
-            <a:extLst>
-              <a:ext uri="{28A0092B-C50C-407E-A947-70E740481C1C}">
-                <a14:useLocalDpi xmlns:a14="http://schemas.microsoft.com/office/drawing/2010/main" val="0"/>
-              </a:ext>
-            </a:extLst>
-          </a:blip>
-          <a:stretch>
-            <a:fillRect/>
-          </a:stretch>
-        </p:blipFill>
-        <p:spPr>
-          <a:xfrm>
-            <a:off x="5954484" y="2078174"/>
-            <a:ext cx="5947035" cy="2964089"/>
-          </a:xfrm>
-        </p:spPr>
-      </p:pic>
-    </p:spTree>
-    <p:extLst>
-      <p:ext uri="{BB962C8B-B14F-4D97-AF65-F5344CB8AC3E}">
-        <p14:creationId xmlns:p14="http://schemas.microsoft.com/office/powerpoint/2010/main" val="1163342561"/>
-      </p:ext>
-    </p:extLst>
-  </p:cSld>
-  <p:clrMapOvr>
-    <a:masterClrMapping/>
-  </p:clrMapOvr>
-  <p:timing>
-    <p:tnLst>
-      <p:par>
-        <p:cTn id="1" dur="indefinite" restart="never" nodeType="tmRoot"/>
-      </p:par>
-    </p:tnLst>
-  </p:timing>
-</p:sld>
-</file>
-
-<file path=ppt/slides/slide7.xml><?xml version="1.0" encoding="utf-8"?>
-<p:sld xmlns:a="http://schemas.openxmlformats.org/drawingml/2006/main" xmlns:r="http://schemas.openxmlformats.org/officeDocument/2006/relationships" xmlns:p="http://schemas.openxmlformats.org/presentationml/2006/main">
-  <p:cSld>
-    <p:spTree>
-      <p:nvGrpSpPr>
-        <p:cNvPr id="1" name=""/>
-        <p:cNvGrpSpPr/>
-        <p:nvPr/>
-      </p:nvGrpSpPr>
-      <p:grpSpPr>
-        <a:xfrm>
-          <a:off x="0" y="0"/>
-          <a:ext cx="0" cy="0"/>
-          <a:chOff x="0" y="0"/>
-          <a:chExt cx="0" cy="0"/>
-        </a:xfrm>
-      </p:grpSpPr>
-      <p:sp>
-        <p:nvSpPr>
-          <p:cNvPr id="2" name="Title 1"/>
-          <p:cNvSpPr>
-            <a:spLocks noGrp="1"/>
-          </p:cNvSpPr>
-          <p:nvPr>
-            <p:ph type="title"/>
-          </p:nvPr>
-        </p:nvSpPr>
-        <p:spPr/>
-        <p:txBody>
-          <a:bodyPr/>
-          <a:lstStyle/>
-          <a:p>
-            <a:pPr algn="ctr"/>
-            <a:r>
-              <a:rPr lang="ro-RO" dirty="0" smtClean="0">
-                <a:latin typeface="Times New Roman" panose="02020603050405020304" pitchFamily="18" charset="0"/>
-                <a:cs typeface="Times New Roman" panose="02020603050405020304" pitchFamily="18" charset="0"/>
-              </a:rPr>
-              <a:t>Recenzie</a:t>
-            </a:r>
-            <a:endParaRPr lang="en-US" dirty="0">
-              <a:latin typeface="Times New Roman" panose="02020603050405020304" pitchFamily="18" charset="0"/>
-              <a:cs typeface="Times New Roman" panose="02020603050405020304" pitchFamily="18" charset="0"/>
-            </a:endParaRPr>
-          </a:p>
-        </p:txBody>
-      </p:sp>
-      <p:pic>
-        <p:nvPicPr>
-          <p:cNvPr id="5" name="Content Placeholder 4"/>
-          <p:cNvPicPr>
-            <a:picLocks noGrp="1" noChangeAspect="1"/>
-          </p:cNvPicPr>
-          <p:nvPr>
-            <p:ph sz="half" idx="1"/>
-          </p:nvPr>
-        </p:nvPicPr>
-        <p:blipFill>
-          <a:blip r:embed="rId2">
-            <a:extLst>
-              <a:ext uri="{28A0092B-C50C-407E-A947-70E740481C1C}">
-                <a14:useLocalDpi xmlns:a14="http://schemas.microsoft.com/office/drawing/2010/main" val="0"/>
-              </a:ext>
-            </a:extLst>
-          </a:blip>
-          <a:stretch>
-            <a:fillRect/>
-          </a:stretch>
-        </p:blipFill>
-        <p:spPr>
-          <a:xfrm>
-            <a:off x="5904412" y="2012740"/>
-            <a:ext cx="5924306" cy="3707234"/>
-          </a:xfrm>
-        </p:spPr>
-      </p:pic>
-      <p:sp>
-        <p:nvSpPr>
-          <p:cNvPr id="4" name="Content Placeholder 3"/>
-          <p:cNvSpPr>
-            <a:spLocks noGrp="1"/>
-          </p:cNvSpPr>
-          <p:nvPr>
-            <p:ph sz="half" idx="2"/>
-          </p:nvPr>
-        </p:nvSpPr>
-        <p:spPr>
-          <a:xfrm>
-            <a:off x="605246" y="2012740"/>
-            <a:ext cx="5181600" cy="4351338"/>
-          </a:xfrm>
-        </p:spPr>
-        <p:txBody>
-          <a:bodyPr/>
-          <a:lstStyle/>
-          <a:p>
-            <a:pPr algn="just"/>
-            <a:r>
-              <a:rPr lang="ro-RO" dirty="0" smtClean="0">
-                <a:latin typeface="Times New Roman" panose="02020603050405020304" pitchFamily="18" charset="0"/>
-                <a:cs typeface="Times New Roman" panose="02020603050405020304" pitchFamily="18" charset="0"/>
-              </a:rPr>
-              <a:t>Posibilitatea de a vedea părerile celorlalți studenți despre foștii colegi de cameră</a:t>
-            </a:r>
-          </a:p>
-          <a:p>
-            <a:pPr algn="just"/>
-            <a:r>
-              <a:rPr lang="ro-RO" dirty="0" smtClean="0">
-                <a:latin typeface="Times New Roman" panose="02020603050405020304" pitchFamily="18" charset="0"/>
-                <a:cs typeface="Times New Roman" panose="02020603050405020304" pitchFamily="18" charset="0"/>
-              </a:rPr>
-              <a:t>De asemenea, șansa de a lăsa și tu o „recenzie”</a:t>
-            </a:r>
-            <a:endParaRPr lang="en-US" dirty="0">
-              <a:latin typeface="Times New Roman" panose="02020603050405020304" pitchFamily="18" charset="0"/>
-              <a:cs typeface="Times New Roman" panose="02020603050405020304" pitchFamily="18" charset="0"/>
-            </a:endParaRPr>
-          </a:p>
-        </p:txBody>
-      </p:sp>
-    </p:spTree>
-    <p:extLst>
-      <p:ext uri="{BB962C8B-B14F-4D97-AF65-F5344CB8AC3E}">
-        <p14:creationId xmlns:p14="http://schemas.microsoft.com/office/powerpoint/2010/main" val="930374988"/>
       </p:ext>
     </p:extLst>
   </p:cSld>
@@ -5485,7 +5692,7 @@
                 <a:latin typeface="Times New Roman" panose="02020603050405020304" pitchFamily="18" charset="0"/>
                 <a:cs typeface="Times New Roman" panose="02020603050405020304" pitchFamily="18" charset="0"/>
               </a:rPr>
-              <a:t>Modul administrator</a:t>
+              <a:t>Arhitectura Django</a:t>
             </a:r>
             <a:endParaRPr lang="en-US" dirty="0">
               <a:latin typeface="Times New Roman" panose="02020603050405020304" pitchFamily="18" charset="0"/>
@@ -5496,86 +5703,117 @@
       </p:sp>
       <p:sp>
         <p:nvSpPr>
-          <p:cNvPr id="4" name="Content Placeholder 3"/>
-          <p:cNvSpPr>
-            <a:spLocks noGrp="1"/>
-          </p:cNvSpPr>
-          <p:nvPr>
-            <p:ph sz="half" idx="2"/>
+          <p:cNvPr id="5" name="Content Placeholder 4"/>
+          <p:cNvSpPr>
+            <a:spLocks noGrp="1"/>
+          </p:cNvSpPr>
+          <p:nvPr>
+            <p:ph idx="1"/>
           </p:nvPr>
         </p:nvSpPr>
         <p:spPr>
           <a:xfrm>
-            <a:off x="496389" y="2103799"/>
-            <a:ext cx="5732415" cy="4351338"/>
+            <a:off x="838200" y="1851751"/>
+            <a:ext cx="10515600" cy="4351338"/>
           </a:xfrm>
         </p:spPr>
         <p:txBody>
           <a:bodyPr/>
           <a:lstStyle/>
           <a:p>
-            <a:r>
-              <a:rPr lang="ro-RO" dirty="0" smtClean="0"/>
-              <a:t>Crearea conturilor pentru studenți</a:t>
-            </a:r>
-          </a:p>
-          <a:p>
-            <a:r>
-              <a:rPr lang="ro-RO" dirty="0" smtClean="0"/>
-              <a:t>Repartizarea studenților la cămin</a:t>
-            </a:r>
-          </a:p>
-          <a:p>
-            <a:r>
-              <a:rPr lang="ro-RO" dirty="0" smtClean="0"/>
-              <a:t>Postarea anunțurilor</a:t>
-            </a:r>
-          </a:p>
-          <a:p>
-            <a:pPr algn="just"/>
-            <a:r>
-              <a:rPr lang="ro-RO" dirty="0" smtClean="0"/>
-              <a:t>Generarea unui Excel cu repartizarea studenților în camere și locurile libere</a:t>
-            </a:r>
-          </a:p>
-          <a:p>
-            <a:endParaRPr lang="en-US" dirty="0"/>
-          </a:p>
-        </p:txBody>
-      </p:sp>
-      <p:pic>
-        <p:nvPicPr>
-          <p:cNvPr id="7" name="Content Placeholder 6"/>
-          <p:cNvPicPr>
-            <a:picLocks noGrp="1" noChangeAspect="1"/>
-          </p:cNvPicPr>
-          <p:nvPr>
-            <p:ph sz="half" idx="1"/>
-          </p:nvPr>
-        </p:nvPicPr>
-        <p:blipFill>
-          <a:blip r:embed="rId2">
-            <a:extLst>
-              <a:ext uri="{28A0092B-C50C-407E-A947-70E740481C1C}">
-                <a14:useLocalDpi xmlns:a14="http://schemas.microsoft.com/office/drawing/2010/main" val="0"/>
-              </a:ext>
-            </a:extLst>
-          </a:blip>
-          <a:stretch>
-            <a:fillRect/>
-          </a:stretch>
-        </p:blipFill>
-        <p:spPr>
-          <a:xfrm>
-            <a:off x="6228804" y="2103799"/>
-            <a:ext cx="5646605" cy="3452270"/>
-          </a:xfrm>
-        </p:spPr>
-      </p:pic>
+            <a:pPr marL="0" indent="0">
+              <a:buNone/>
+            </a:pPr>
+            <a:r>
+              <a:rPr lang="ro-RO" dirty="0" smtClean="0">
+                <a:latin typeface="Times New Roman" panose="02020603050405020304" pitchFamily="18" charset="0"/>
+                <a:cs typeface="Times New Roman" panose="02020603050405020304" pitchFamily="18" charset="0"/>
+              </a:rPr>
+              <a:t>Ce se întâmplă cu Controller-ul?</a:t>
+            </a:r>
+          </a:p>
+          <a:p>
+            <a:pPr marL="457200" lvl="1" indent="0">
+              <a:buNone/>
+            </a:pPr>
+            <a:r>
+              <a:rPr lang="ro-RO" dirty="0" smtClean="0">
+                <a:latin typeface="Times New Roman" panose="02020603050405020304" pitchFamily="18" charset="0"/>
+                <a:cs typeface="Times New Roman" panose="02020603050405020304" pitchFamily="18" charset="0"/>
+              </a:rPr>
+              <a:t>Conform logicii din Django este însuși framework-ul.</a:t>
+            </a:r>
+          </a:p>
+          <a:p>
+            <a:pPr marL="457200" lvl="1" indent="0">
+              <a:buNone/>
+            </a:pPr>
+            <a:endParaRPr lang="ro-RO" dirty="0" smtClean="0">
+              <a:latin typeface="Times New Roman" panose="02020603050405020304" pitchFamily="18" charset="0"/>
+              <a:cs typeface="Times New Roman" panose="02020603050405020304" pitchFamily="18" charset="0"/>
+            </a:endParaRPr>
+          </a:p>
+          <a:p>
+            <a:pPr marL="457200" lvl="1" indent="0">
+              <a:buNone/>
+            </a:pPr>
+            <a:endParaRPr lang="ro-RO" dirty="0">
+              <a:latin typeface="Times New Roman" panose="02020603050405020304" pitchFamily="18" charset="0"/>
+              <a:cs typeface="Times New Roman" panose="02020603050405020304" pitchFamily="18" charset="0"/>
+            </a:endParaRPr>
+          </a:p>
+          <a:p>
+            <a:pPr marL="0" indent="0">
+              <a:buNone/>
+            </a:pPr>
+            <a:r>
+              <a:rPr lang="ro-RO" dirty="0" smtClean="0">
+                <a:latin typeface="Times New Roman" panose="02020603050405020304" pitchFamily="18" charset="0"/>
+                <a:cs typeface="Times New Roman" panose="02020603050405020304" pitchFamily="18" charset="0"/>
+              </a:rPr>
+              <a:t> Cu toate acestea...</a:t>
+            </a:r>
+          </a:p>
+          <a:p>
+            <a:pPr lvl="1"/>
+            <a:r>
+              <a:rPr lang="ro-RO" dirty="0" smtClean="0">
+                <a:latin typeface="Times New Roman" panose="02020603050405020304" pitchFamily="18" charset="0"/>
+                <a:cs typeface="Times New Roman" panose="02020603050405020304" pitchFamily="18" charset="0"/>
+              </a:rPr>
+              <a:t>„</a:t>
+            </a:r>
+            <a:r>
+              <a:rPr lang="ro-RO" dirty="0">
+                <a:latin typeface="Times New Roman" panose="02020603050405020304" pitchFamily="18" charset="0"/>
+                <a:cs typeface="Times New Roman" panose="02020603050405020304" pitchFamily="18" charset="0"/>
+              </a:rPr>
+              <a:t>La finalul zilei, bineînțeles, totul se rezumă la atingerea obiectivului. Și, indiferent cum sunt numite lucrurile, Django duce lucrurile la bun sfârșit într-o manieră care este cea mai logică pentru noi</a:t>
+            </a:r>
+            <a:r>
+              <a:rPr lang="ro-RO" dirty="0" smtClean="0">
+                <a:latin typeface="Times New Roman" panose="02020603050405020304" pitchFamily="18" charset="0"/>
+                <a:cs typeface="Times New Roman" panose="02020603050405020304" pitchFamily="18" charset="0"/>
+              </a:rPr>
+              <a:t>”</a:t>
+            </a:r>
+          </a:p>
+          <a:p>
+            <a:pPr lvl="1"/>
+            <a:endParaRPr lang="ro-RO" dirty="0" smtClean="0"/>
+          </a:p>
+          <a:p>
+            <a:pPr marL="457200" lvl="1" indent="0">
+              <a:buNone/>
+            </a:pPr>
+            <a:endParaRPr lang="ro-RO" dirty="0"/>
+          </a:p>
+        </p:txBody>
+      </p:sp>
     </p:spTree>
     <p:extLst>
       <p:ext uri="{BB962C8B-B14F-4D97-AF65-F5344CB8AC3E}">
-        <p14:creationId xmlns:p14="http://schemas.microsoft.com/office/powerpoint/2010/main" val="1755237375"/>
+        <p14:creationId xmlns:p14="http://schemas.microsoft.com/office/powerpoint/2010/main" val="809969126"/>
       </p:ext>
     </p:extLst>
   </p:cSld>
@@ -5652,7 +5890,7 @@
         <p:spPr/>
         <p:txBody>
           <a:bodyPr>
-            <a:normAutofit/>
+            <a:normAutofit lnSpcReduction="10000"/>
           </a:bodyPr>
           <a:lstStyle/>
           <a:p>
@@ -5684,7 +5922,11 @@
             </a:r>
           </a:p>
           <a:p>
-            <a:pPr lvl="0" algn="just"/>
+            <a:pPr lvl="0" algn="just">
+              <a:lnSpc>
+                <a:spcPct val="150000"/>
+              </a:lnSpc>
+            </a:pPr>
             <a:r>
               <a:rPr lang="en-US" sz="2400" dirty="0" err="1">
                 <a:latin typeface="Times New Roman" panose="02020603050405020304" pitchFamily="18" charset="0"/>
@@ -5757,7 +5999,11 @@
             </a:r>
           </a:p>
           <a:p>
-            <a:pPr lvl="0" algn="just"/>
+            <a:pPr lvl="0" algn="just">
+              <a:lnSpc>
+                <a:spcPct val="150000"/>
+              </a:lnSpc>
+            </a:pPr>
             <a:r>
               <a:rPr lang="en-US" sz="2400" dirty="0" err="1" smtClean="0">
                 <a:latin typeface="Times New Roman" panose="02020603050405020304" pitchFamily="18" charset="0"/>
@@ -5869,7 +6115,11 @@
             </a:endParaRPr>
           </a:p>
           <a:p>
-            <a:pPr lvl="0" algn="just"/>
+            <a:pPr lvl="0" algn="just">
+              <a:lnSpc>
+                <a:spcPct val="150000"/>
+              </a:lnSpc>
+            </a:pPr>
             <a:r>
               <a:rPr lang="en-US" sz="2400" dirty="0" err="1">
                 <a:latin typeface="Times New Roman" panose="02020603050405020304" pitchFamily="18" charset="0"/>
@@ -6023,7 +6273,11 @@
             </a:endParaRPr>
           </a:p>
           <a:p>
-            <a:pPr lvl="0" algn="just"/>
+            <a:pPr lvl="0" algn="just">
+              <a:lnSpc>
+                <a:spcPct val="150000"/>
+              </a:lnSpc>
+            </a:pPr>
             <a:r>
               <a:rPr lang="en-US" sz="2400" dirty="0" err="1">
                 <a:latin typeface="Times New Roman" panose="02020603050405020304" pitchFamily="18" charset="0"/>
